--- a/lectures/강의자료/강의자료.pptx
+++ b/lectures/강의자료/강의자료.pptx
@@ -248,7 +248,7 @@
           <a:p>
             <a:fld id="{391FA9FE-7FF6-463A-A415-1FBF968FB7FB}" type="datetimeFigureOut">
               <a:rPr lang="ko-KR" altLang="en-US" smtClean="0"/>
-              <a:t>2025-02-20</a:t>
+              <a:t>2025-02-22</a:t>
             </a:fld>
             <a:endParaRPr lang="ko-KR" altLang="en-US"/>
           </a:p>
@@ -851,7 +851,25 @@
           <a:p>
             <a:r>
               <a:rPr lang="ko-KR" altLang="en-US" dirty="0"/>
-              <a:t>먼저</a:t>
+              <a:t>목표자산 일단 </a:t>
+            </a:r>
+            <a:r>
+              <a:rPr lang="en-US" altLang="ko-KR" dirty="0"/>
+              <a:t>5</a:t>
+            </a:r>
+            <a:r>
+              <a:rPr lang="ko-KR" altLang="en-US" dirty="0"/>
+              <a:t>억이죠</a:t>
+            </a:r>
+            <a:r>
+              <a:rPr lang="en-US" altLang="ko-KR" dirty="0"/>
+              <a:t>.</a:t>
+            </a:r>
+          </a:p>
+          <a:p>
+            <a:r>
+              <a:rPr lang="ko-KR" altLang="en-US" dirty="0"/>
+              <a:t>초기 자산은 기존에 모아둔 돈이거나</a:t>
             </a:r>
             <a:r>
               <a:rPr lang="en-US" altLang="ko-KR" dirty="0"/>
@@ -859,7 +877,15 @@
             </a:r>
             <a:r>
               <a:rPr lang="ko-KR" altLang="en-US" dirty="0"/>
-              <a:t>투자기간을 좀 보죠</a:t>
+              <a:t>증여</a:t>
+            </a:r>
+            <a:r>
+              <a:rPr lang="en-US" altLang="ko-KR" dirty="0"/>
+              <a:t>, </a:t>
+            </a:r>
+            <a:r>
+              <a:rPr lang="ko-KR" altLang="en-US" dirty="0"/>
+              <a:t>상속받은 돈 같은 거라고 생각하시면 됩니다</a:t>
             </a:r>
             <a:r>
               <a:rPr lang="en-US" altLang="ko-KR" dirty="0"/>
@@ -868,24 +894,8 @@
           </a:p>
           <a:p>
             <a:r>
-              <a:rPr lang="ko-KR" altLang="en-US" dirty="0"/>
-              <a:t>초기자산이 없고</a:t>
-            </a:r>
-            <a:r>
-              <a:rPr lang="en-US" altLang="ko-KR" dirty="0"/>
-              <a:t>, </a:t>
-            </a:r>
-            <a:r>
-              <a:rPr lang="ko-KR" altLang="en-US" dirty="0"/>
-              <a:t>매월 </a:t>
-            </a:r>
-            <a:r>
-              <a:rPr lang="en-US" altLang="ko-KR" dirty="0"/>
-              <a:t>100</a:t>
-            </a:r>
-            <a:r>
-              <a:rPr lang="ko-KR" altLang="en-US" dirty="0"/>
-              <a:t>만원씩 투자한다고 하고요</a:t>
+              <a:rPr lang="ko-KR" altLang="en-US" dirty="0" err="1"/>
+              <a:t>시드머니죠</a:t>
             </a:r>
             <a:r>
               <a:rPr lang="en-US" altLang="ko-KR" dirty="0"/>
@@ -895,93 +905,23 @@
           <a:p>
             <a:r>
               <a:rPr lang="ko-KR" altLang="en-US" dirty="0"/>
-              <a:t>매년 </a:t>
-            </a:r>
-            <a:r>
-              <a:rPr lang="en-US" altLang="ko-KR" dirty="0"/>
-              <a:t>10%</a:t>
-            </a:r>
-            <a:r>
-              <a:rPr lang="ko-KR" altLang="en-US" dirty="0"/>
-              <a:t>씩 수익을 낸다고 하면</a:t>
-            </a:r>
-          </a:p>
-          <a:p>
-            <a:r>
-              <a:rPr lang="en-US" altLang="ko-KR" dirty="0"/>
-              <a:t>5</a:t>
-            </a:r>
-            <a:r>
-              <a:rPr lang="ko-KR" altLang="en-US" dirty="0"/>
-              <a:t>년 투자했을 때는 </a:t>
-            </a:r>
-            <a:r>
-              <a:rPr lang="en-US" altLang="ko-KR" dirty="0"/>
-              <a:t>7</a:t>
-            </a:r>
-            <a:r>
-              <a:rPr lang="ko-KR" altLang="en-US" dirty="0"/>
-              <a:t>천</a:t>
-            </a:r>
-            <a:r>
-              <a:rPr lang="en-US" altLang="ko-KR" dirty="0"/>
-              <a:t>3</a:t>
-            </a:r>
-            <a:r>
-              <a:rPr lang="ko-KR" altLang="en-US" dirty="0"/>
-              <a:t>백</a:t>
-            </a:r>
-          </a:p>
-          <a:p>
-            <a:r>
-              <a:rPr lang="en-US" altLang="ko-KR" dirty="0"/>
-              <a:t>10</a:t>
-            </a:r>
-            <a:r>
-              <a:rPr lang="ko-KR" altLang="en-US" dirty="0"/>
-              <a:t>년 투자했을 때는 </a:t>
-            </a:r>
-            <a:r>
-              <a:rPr lang="en-US" altLang="ko-KR" dirty="0"/>
-              <a:t>1</a:t>
-            </a:r>
-            <a:r>
-              <a:rPr lang="ko-KR" altLang="en-US" dirty="0"/>
-              <a:t>억</a:t>
-            </a:r>
-            <a:r>
-              <a:rPr lang="en-US" altLang="ko-KR" dirty="0"/>
-              <a:t>9</a:t>
-            </a:r>
-            <a:r>
-              <a:rPr lang="ko-KR" altLang="en-US" dirty="0"/>
-              <a:t>천</a:t>
-            </a:r>
-          </a:p>
-          <a:p>
-            <a:r>
-              <a:rPr lang="en-US" altLang="ko-KR" dirty="0"/>
-              <a:t>30</a:t>
-            </a:r>
-            <a:r>
-              <a:rPr lang="ko-KR" altLang="en-US" dirty="0"/>
-              <a:t>년 투자하면 </a:t>
-            </a:r>
-            <a:r>
-              <a:rPr lang="en-US" altLang="ko-KR" dirty="0"/>
-              <a:t>19</a:t>
-            </a:r>
-            <a:r>
-              <a:rPr lang="ko-KR" altLang="en-US" dirty="0"/>
-              <a:t>억</a:t>
-            </a:r>
-            <a:r>
-              <a:rPr lang="en-US" altLang="ko-KR" dirty="0"/>
-              <a:t>7</a:t>
-            </a:r>
-            <a:r>
-              <a:rPr lang="ko-KR" altLang="en-US" dirty="0"/>
-              <a:t>천을 만들 수 있고요</a:t>
+              <a:t>현금흐름은 월급이나 사업 소득 </a:t>
+            </a:r>
+            <a:r>
+              <a:rPr lang="ko-KR" altLang="en-US" dirty="0" err="1"/>
+              <a:t>같은건데</a:t>
+            </a:r>
+            <a:r>
+              <a:rPr lang="ko-KR" altLang="en-US" dirty="0"/>
+              <a:t> 여기에 생활비를 </a:t>
+            </a:r>
+            <a:r>
+              <a:rPr lang="ko-KR" altLang="en-US" dirty="0" err="1"/>
+              <a:t>뺏</a:t>
+            </a:r>
+            <a:r>
+              <a:rPr lang="ko-KR" altLang="en-US" dirty="0"/>
+              <a:t> 투자가능 금액 이라고 생각하시면 됩니다</a:t>
             </a:r>
             <a:r>
               <a:rPr lang="en-US" altLang="ko-KR" dirty="0"/>
@@ -989,16 +929,9 @@
             </a:r>
           </a:p>
           <a:p>
-            <a:endParaRPr lang="en-US" altLang="ko-KR" dirty="0"/>
-          </a:p>
-          <a:p>
-            <a:r>
-              <a:rPr lang="ko-KR" altLang="en-US" dirty="0"/>
-              <a:t>여러분이 잘 아시는 </a:t>
-            </a:r>
-            <a:r>
-              <a:rPr lang="ko-KR" altLang="en-US" dirty="0" err="1"/>
-              <a:t>복리효과죠</a:t>
+            <a:r>
+              <a:rPr lang="ko-KR" altLang="en-US" dirty="0"/>
+              <a:t>매월 투자할 수 있는 금액이죠</a:t>
             </a:r>
             <a:r>
               <a:rPr lang="en-US" altLang="ko-KR" dirty="0"/>
@@ -1008,7 +941,15 @@
           <a:p>
             <a:r>
               <a:rPr lang="ko-KR" altLang="en-US" dirty="0"/>
-              <a:t>투자기간이 깡패입니다</a:t>
+              <a:t>투자 기간은 사회 초년생들이 가진 최고의 무기인데요</a:t>
+            </a:r>
+            <a:r>
+              <a:rPr lang="en-US" altLang="ko-KR" dirty="0"/>
+              <a:t>. </a:t>
+            </a:r>
+            <a:r>
+              <a:rPr lang="ko-KR" altLang="en-US" dirty="0"/>
+              <a:t>바로 생애 흑자 기간이죠</a:t>
             </a:r>
             <a:r>
               <a:rPr lang="en-US" altLang="ko-KR" dirty="0"/>
@@ -1016,7 +957,64 @@
             </a:r>
           </a:p>
           <a:p>
-            <a:endParaRPr lang="ko-KR" altLang="en-US" dirty="0"/>
+            <a:r>
+              <a:rPr lang="ko-KR" altLang="en-US" dirty="0"/>
+              <a:t>위에 현금흐름을 얼마나 오랫동안 지속할 수 있느냐 하는 겁니다</a:t>
+            </a:r>
+            <a:r>
+              <a:rPr lang="en-US" altLang="ko-KR" dirty="0"/>
+              <a:t>.</a:t>
+            </a:r>
+          </a:p>
+          <a:p>
+            <a:r>
+              <a:rPr lang="ko-KR" altLang="en-US" dirty="0"/>
+              <a:t>그럼 기대수익률은 뭐냐</a:t>
+            </a:r>
+            <a:r>
+              <a:rPr lang="en-US" altLang="ko-KR" dirty="0"/>
+              <a:t>? </a:t>
+            </a:r>
+            <a:r>
+              <a:rPr lang="ko-KR" altLang="en-US" dirty="0"/>
+              <a:t>이게 전략과 직결된 부분인데 앞에 </a:t>
+            </a:r>
+            <a:r>
+              <a:rPr lang="en-US" altLang="ko-KR" dirty="0"/>
+              <a:t>SCT</a:t>
+            </a:r>
+            <a:r>
+              <a:rPr lang="ko-KR" altLang="en-US" dirty="0"/>
+              <a:t>를 알면</a:t>
+            </a:r>
+          </a:p>
+          <a:p>
+            <a:r>
+              <a:rPr lang="en-US" altLang="ko-KR" dirty="0"/>
+              <a:t>R</a:t>
+            </a:r>
+            <a:r>
+              <a:rPr lang="ko-KR" altLang="en-US" dirty="0"/>
+              <a:t>을 구할 수 있습니다</a:t>
+            </a:r>
+            <a:r>
+              <a:rPr lang="en-US" altLang="ko-KR" dirty="0"/>
+              <a:t>.</a:t>
+            </a:r>
+          </a:p>
+          <a:p>
+            <a:r>
+              <a:rPr lang="en-US" altLang="ko-KR" dirty="0"/>
+              <a:t>R</a:t>
+            </a:r>
+            <a:r>
+              <a:rPr lang="ko-KR" altLang="en-US" dirty="0"/>
+              <a:t>은 이야기가 좀 기니까 조금 있다가 알아보도록 하고요</a:t>
+            </a:r>
+            <a:r>
+              <a:rPr lang="en-US" altLang="ko-KR" dirty="0"/>
+              <a:t>.</a:t>
+            </a:r>
           </a:p>
         </p:txBody>
       </p:sp>
@@ -1037,7 +1035,7 @@
           <a:p>
             <a:fld id="{AF377DAE-6E9C-4F87-A8EC-C6E75F6BD3E4}" type="slidenum">
               <a:rPr lang="ko-KR" altLang="en-US" smtClean="0"/>
-              <a:t>11</a:t>
+              <a:t>10</a:t>
             </a:fld>
             <a:endParaRPr lang="ko-KR" altLang="en-US"/>
           </a:p>
@@ -1046,7 +1044,7 @@
     </p:spTree>
     <p:extLst>
       <p:ext uri="{BB962C8B-B14F-4D97-AF65-F5344CB8AC3E}">
-        <p14:creationId xmlns:p14="http://schemas.microsoft.com/office/powerpoint/2010/main" val="1288199087"/>
+        <p14:creationId xmlns:p14="http://schemas.microsoft.com/office/powerpoint/2010/main" val="3056759680"/>
       </p:ext>
     </p:extLst>
   </p:cSld>
@@ -1102,13 +1100,33 @@
           <a:p>
             <a:r>
               <a:rPr lang="ko-KR" altLang="en-US" dirty="0"/>
-              <a:t>시간 못지않게 초기자산도 중요한데</a:t>
-            </a:r>
-          </a:p>
-          <a:p>
-            <a:r>
-              <a:rPr lang="ko-KR" altLang="en-US" dirty="0"/>
-              <a:t>초기 자산이 천만원 있었다면 매월 </a:t>
+              <a:t>먼저</a:t>
+            </a:r>
+            <a:r>
+              <a:rPr lang="en-US" altLang="ko-KR" dirty="0"/>
+              <a:t>, </a:t>
+            </a:r>
+            <a:r>
+              <a:rPr lang="ko-KR" altLang="en-US" dirty="0"/>
+              <a:t>투자기간을 좀 보죠</a:t>
+            </a:r>
+            <a:r>
+              <a:rPr lang="en-US" altLang="ko-KR" dirty="0"/>
+              <a:t>.</a:t>
+            </a:r>
+          </a:p>
+          <a:p>
+            <a:r>
+              <a:rPr lang="ko-KR" altLang="en-US" dirty="0"/>
+              <a:t>초기자산이 없고</a:t>
+            </a:r>
+            <a:r>
+              <a:rPr lang="en-US" altLang="ko-KR" dirty="0"/>
+              <a:t>, </a:t>
+            </a:r>
+            <a:r>
+              <a:rPr lang="ko-KR" altLang="en-US" dirty="0"/>
+              <a:t>매월 </a:t>
             </a:r>
             <a:r>
               <a:rPr lang="en-US" altLang="ko-KR" dirty="0"/>
@@ -1116,7 +1134,25 @@
             </a:r>
             <a:r>
               <a:rPr lang="ko-KR" altLang="en-US" dirty="0"/>
-              <a:t>만원씩 적립식으로 투자했을 때</a:t>
+              <a:t>만원씩 투자한다고 하고요</a:t>
+            </a:r>
+            <a:r>
+              <a:rPr lang="en-US" altLang="ko-KR" dirty="0"/>
+              <a:t>.</a:t>
+            </a:r>
+          </a:p>
+          <a:p>
+            <a:r>
+              <a:rPr lang="ko-KR" altLang="en-US" dirty="0"/>
+              <a:t>매년 </a:t>
+            </a:r>
+            <a:r>
+              <a:rPr lang="en-US" altLang="ko-KR" dirty="0"/>
+              <a:t>10%</a:t>
+            </a:r>
+            <a:r>
+              <a:rPr lang="ko-KR" altLang="en-US" dirty="0"/>
+              <a:t>씩 수익을 낸다고 하면</a:t>
             </a:r>
           </a:p>
           <a:p>
@@ -1126,33 +1162,75 @@
             </a:r>
             <a:r>
               <a:rPr lang="ko-KR" altLang="en-US" dirty="0"/>
-              <a:t>억을 달성하는데 </a:t>
-            </a:r>
-            <a:r>
-              <a:rPr lang="en-US" altLang="ko-KR" dirty="0"/>
-              <a:t>16</a:t>
-            </a:r>
-            <a:r>
-              <a:rPr lang="ko-KR" altLang="en-US" dirty="0"/>
-              <a:t>년이 걸리고</a:t>
-            </a:r>
-          </a:p>
-          <a:p>
+              <a:t>년 투자했을 때는 </a:t>
+            </a:r>
+            <a:r>
+              <a:rPr lang="en-US" altLang="ko-KR" dirty="0"/>
+              <a:t>7</a:t>
+            </a:r>
+            <a:r>
+              <a:rPr lang="ko-KR" altLang="en-US" dirty="0"/>
+              <a:t>천</a:t>
+            </a:r>
+            <a:r>
+              <a:rPr lang="en-US" altLang="ko-KR" dirty="0"/>
+              <a:t>3</a:t>
+            </a:r>
+            <a:r>
+              <a:rPr lang="ko-KR" altLang="en-US" dirty="0"/>
+              <a:t>백</a:t>
+            </a:r>
+          </a:p>
+          <a:p>
+            <a:r>
+              <a:rPr lang="en-US" altLang="ko-KR" dirty="0"/>
+              <a:t>10</a:t>
+            </a:r>
+            <a:r>
+              <a:rPr lang="ko-KR" altLang="en-US" dirty="0"/>
+              <a:t>년 투자했을 때는 </a:t>
+            </a:r>
             <a:r>
               <a:rPr lang="en-US" altLang="ko-KR" dirty="0"/>
               <a:t>1</a:t>
             </a:r>
             <a:r>
               <a:rPr lang="ko-KR" altLang="en-US" dirty="0"/>
-              <a:t>억이 있었다면 </a:t>
-            </a:r>
-            <a:r>
-              <a:rPr lang="en-US" altLang="ko-KR" dirty="0"/>
-              <a:t>11</a:t>
-            </a:r>
-            <a:r>
-              <a:rPr lang="ko-KR" altLang="en-US" dirty="0"/>
-              <a:t>년이 걸립니다</a:t>
+              <a:t>억</a:t>
+            </a:r>
+            <a:r>
+              <a:rPr lang="en-US" altLang="ko-KR" dirty="0"/>
+              <a:t>9</a:t>
+            </a:r>
+            <a:r>
+              <a:rPr lang="ko-KR" altLang="en-US" dirty="0"/>
+              <a:t>천</a:t>
+            </a:r>
+          </a:p>
+          <a:p>
+            <a:r>
+              <a:rPr lang="en-US" altLang="ko-KR" dirty="0"/>
+              <a:t>30</a:t>
+            </a:r>
+            <a:r>
+              <a:rPr lang="ko-KR" altLang="en-US" dirty="0"/>
+              <a:t>년 투자하면 </a:t>
+            </a:r>
+            <a:r>
+              <a:rPr lang="en-US" altLang="ko-KR" dirty="0"/>
+              <a:t>19</a:t>
+            </a:r>
+            <a:r>
+              <a:rPr lang="ko-KR" altLang="en-US" dirty="0"/>
+              <a:t>억</a:t>
+            </a:r>
+            <a:r>
+              <a:rPr lang="en-US" altLang="ko-KR" dirty="0"/>
+              <a:t>7</a:t>
+            </a:r>
+            <a:r>
+              <a:rPr lang="ko-KR" altLang="en-US" dirty="0"/>
+              <a:t>천을 만들 수 있고요</a:t>
             </a:r>
             <a:r>
               <a:rPr lang="en-US" altLang="ko-KR" dirty="0"/>
@@ -1165,53 +1243,28 @@
           <a:p>
             <a:r>
               <a:rPr lang="ko-KR" altLang="en-US" dirty="0"/>
-              <a:t>더 많았다면 더 크게 단축할 수 </a:t>
+              <a:t>여러분이 잘 아시는 </a:t>
             </a:r>
             <a:r>
               <a:rPr lang="ko-KR" altLang="en-US" dirty="0" err="1"/>
-              <a:t>있었겠지만</a:t>
-            </a:r>
-            <a:r>
-              <a:rPr lang="en-US" altLang="ko-KR" dirty="0"/>
-              <a:t>,</a:t>
-            </a:r>
-          </a:p>
-          <a:p>
-            <a:r>
-              <a:rPr lang="ko-KR" altLang="en-US" dirty="0"/>
-              <a:t>이번 강의는 사회 초년생을 위한 </a:t>
-            </a:r>
-            <a:r>
-              <a:rPr lang="ko-KR" altLang="en-US" dirty="0" err="1"/>
-              <a:t>강의니까</a:t>
-            </a:r>
-            <a:endParaRPr lang="ko-KR" altLang="en-US" dirty="0"/>
-          </a:p>
-          <a:p>
-            <a:r>
-              <a:rPr lang="ko-KR" altLang="en-US" dirty="0"/>
-              <a:t>초기자산은 </a:t>
-            </a:r>
-            <a:r>
-              <a:rPr lang="en-US" altLang="ko-KR" dirty="0"/>
-              <a:t>1</a:t>
-            </a:r>
-            <a:r>
-              <a:rPr lang="ko-KR" altLang="en-US" dirty="0"/>
-              <a:t>억 </a:t>
-            </a:r>
-            <a:r>
-              <a:rPr lang="ko-KR" altLang="en-US" dirty="0" err="1"/>
-              <a:t>정도까지만</a:t>
-            </a:r>
-            <a:r>
-              <a:rPr lang="ko-KR" altLang="en-US" dirty="0"/>
-              <a:t> 살펴보겠습니다</a:t>
+              <a:t>복리효과죠</a:t>
             </a:r>
             <a:r>
               <a:rPr lang="en-US" altLang="ko-KR" dirty="0"/>
               <a:t>.</a:t>
             </a:r>
+          </a:p>
+          <a:p>
+            <a:r>
+              <a:rPr lang="ko-KR" altLang="en-US" dirty="0"/>
+              <a:t>투자기간이 깡패입니다</a:t>
+            </a:r>
+            <a:r>
+              <a:rPr lang="en-US" altLang="ko-KR" dirty="0"/>
+              <a:t>.</a:t>
+            </a:r>
+          </a:p>
+          <a:p>
             <a:endParaRPr lang="ko-KR" altLang="en-US" dirty="0"/>
           </a:p>
         </p:txBody>
@@ -1233,7 +1286,7 @@
           <a:p>
             <a:fld id="{AF377DAE-6E9C-4F87-A8EC-C6E75F6BD3E4}" type="slidenum">
               <a:rPr lang="ko-KR" altLang="en-US" smtClean="0"/>
-              <a:t>12</a:t>
+              <a:t>11</a:t>
             </a:fld>
             <a:endParaRPr lang="ko-KR" altLang="en-US"/>
           </a:p>
@@ -1242,7 +1295,7 @@
     </p:spTree>
     <p:extLst>
       <p:ext uri="{BB962C8B-B14F-4D97-AF65-F5344CB8AC3E}">
-        <p14:creationId xmlns:p14="http://schemas.microsoft.com/office/powerpoint/2010/main" val="922536909"/>
+        <p14:creationId xmlns:p14="http://schemas.microsoft.com/office/powerpoint/2010/main" val="1288199087"/>
       </p:ext>
     </p:extLst>
   </p:cSld>
@@ -1298,21 +1351,57 @@
           <a:p>
             <a:r>
               <a:rPr lang="ko-KR" altLang="en-US" dirty="0"/>
-              <a:t>반대로 초기자산이 없어도</a:t>
-            </a:r>
-          </a:p>
-          <a:p>
-            <a:r>
-              <a:rPr lang="ko-KR" altLang="en-US" dirty="0"/>
-              <a:t>월 투자금을 늘리면 </a:t>
-            </a:r>
+              <a:t>시간 못지않게 초기자산도 중요한데</a:t>
+            </a:r>
+          </a:p>
+          <a:p>
+            <a:r>
+              <a:rPr lang="ko-KR" altLang="en-US" dirty="0"/>
+              <a:t>초기 자산이 천만원 있었다면 매월 </a:t>
+            </a:r>
+            <a:r>
+              <a:rPr lang="en-US" altLang="ko-KR" dirty="0"/>
+              <a:t>100</a:t>
+            </a:r>
+            <a:r>
+              <a:rPr lang="ko-KR" altLang="en-US" dirty="0"/>
+              <a:t>만원씩 적립식으로 투자했을 때</a:t>
+            </a:r>
+          </a:p>
+          <a:p>
             <a:r>
               <a:rPr lang="en-US" altLang="ko-KR" dirty="0"/>
               <a:t>5</a:t>
             </a:r>
             <a:r>
               <a:rPr lang="ko-KR" altLang="en-US" dirty="0"/>
-              <a:t>억까지 가는 기간을 크게 줄일 수 있는데요</a:t>
+              <a:t>억을 달성하는데 </a:t>
+            </a:r>
+            <a:r>
+              <a:rPr lang="en-US" altLang="ko-KR" dirty="0"/>
+              <a:t>16</a:t>
+            </a:r>
+            <a:r>
+              <a:rPr lang="ko-KR" altLang="en-US" dirty="0"/>
+              <a:t>년이 걸리고</a:t>
+            </a:r>
+          </a:p>
+          <a:p>
+            <a:r>
+              <a:rPr lang="en-US" altLang="ko-KR" dirty="0"/>
+              <a:t>1</a:t>
+            </a:r>
+            <a:r>
+              <a:rPr lang="ko-KR" altLang="en-US" dirty="0"/>
+              <a:t>억이 있었다면 </a:t>
+            </a:r>
+            <a:r>
+              <a:rPr lang="en-US" altLang="ko-KR" dirty="0"/>
+              <a:t>11</a:t>
+            </a:r>
+            <a:r>
+              <a:rPr lang="ko-KR" altLang="en-US" dirty="0"/>
+              <a:t>년이 걸립니다</a:t>
             </a:r>
             <a:r>
               <a:rPr lang="en-US" altLang="ko-KR" dirty="0"/>
@@ -1320,64 +1409,53 @@
             </a:r>
           </a:p>
           <a:p>
-            <a:r>
-              <a:rPr lang="ko-KR" altLang="en-US" dirty="0"/>
-              <a:t>월에 </a:t>
-            </a:r>
-            <a:r>
-              <a:rPr lang="en-US" altLang="ko-KR" dirty="0"/>
-              <a:t>50</a:t>
-            </a:r>
-            <a:r>
-              <a:rPr lang="ko-KR" altLang="en-US" dirty="0"/>
-              <a:t>만원씩 투자하면 </a:t>
-            </a:r>
-            <a:r>
-              <a:rPr lang="en-US" altLang="ko-KR" dirty="0"/>
-              <a:t>23</a:t>
-            </a:r>
-            <a:r>
-              <a:rPr lang="ko-KR" altLang="en-US" dirty="0"/>
-              <a:t>년 걸리던 목표달성 기간이</a:t>
-            </a:r>
-          </a:p>
-          <a:p>
-            <a:r>
-              <a:rPr lang="en-US" altLang="ko-KR" dirty="0"/>
-              <a:t>200</a:t>
-            </a:r>
-            <a:r>
-              <a:rPr lang="ko-KR" altLang="en-US" dirty="0"/>
-              <a:t>만원씩 투자할 수 있다고 하면 </a:t>
-            </a:r>
-            <a:r>
-              <a:rPr lang="en-US" altLang="ko-KR" dirty="0"/>
-              <a:t>12</a:t>
-            </a:r>
-            <a:r>
-              <a:rPr lang="ko-KR" altLang="en-US" dirty="0"/>
-              <a:t>년 밑으로 줄어듭니다</a:t>
-            </a:r>
-            <a:r>
-              <a:rPr lang="en-US" altLang="ko-KR" dirty="0"/>
-              <a:t>.</a:t>
-            </a:r>
-          </a:p>
-          <a:p>
             <a:endParaRPr lang="en-US" altLang="ko-KR" dirty="0"/>
           </a:p>
           <a:p>
             <a:r>
               <a:rPr lang="ko-KR" altLang="en-US" dirty="0"/>
-              <a:t>초반에 </a:t>
+              <a:t>더 많았다면 더 크게 단축할 수 </a:t>
             </a:r>
             <a:r>
               <a:rPr lang="ko-KR" altLang="en-US" dirty="0" err="1"/>
-              <a:t>시드를</a:t>
-            </a:r>
-            <a:r>
-              <a:rPr lang="ko-KR" altLang="en-US" dirty="0"/>
-              <a:t> 만들기 전에는 절약이 중요한 이유를 알 수 있죠</a:t>
+              <a:t>있었겠지만</a:t>
+            </a:r>
+            <a:r>
+              <a:rPr lang="en-US" altLang="ko-KR" dirty="0"/>
+              <a:t>,</a:t>
+            </a:r>
+          </a:p>
+          <a:p>
+            <a:r>
+              <a:rPr lang="ko-KR" altLang="en-US" dirty="0"/>
+              <a:t>이번 강의는 사회 초년생을 위한 </a:t>
+            </a:r>
+            <a:r>
+              <a:rPr lang="ko-KR" altLang="en-US" dirty="0" err="1"/>
+              <a:t>강의니까</a:t>
+            </a:r>
+            <a:endParaRPr lang="ko-KR" altLang="en-US" dirty="0"/>
+          </a:p>
+          <a:p>
+            <a:r>
+              <a:rPr lang="ko-KR" altLang="en-US" dirty="0"/>
+              <a:t>초기자산은 </a:t>
+            </a:r>
+            <a:r>
+              <a:rPr lang="en-US" altLang="ko-KR" dirty="0"/>
+              <a:t>1</a:t>
+            </a:r>
+            <a:r>
+              <a:rPr lang="ko-KR" altLang="en-US" dirty="0"/>
+              <a:t>억 </a:t>
+            </a:r>
+            <a:r>
+              <a:rPr lang="ko-KR" altLang="en-US" dirty="0" err="1"/>
+              <a:t>정도까지만</a:t>
+            </a:r>
+            <a:r>
+              <a:rPr lang="ko-KR" altLang="en-US" dirty="0"/>
+              <a:t> 살펴보겠습니다</a:t>
             </a:r>
             <a:r>
               <a:rPr lang="en-US" altLang="ko-KR" dirty="0"/>
@@ -1404,7 +1482,7 @@
           <a:p>
             <a:fld id="{AF377DAE-6E9C-4F87-A8EC-C6E75F6BD3E4}" type="slidenum">
               <a:rPr lang="ko-KR" altLang="en-US" smtClean="0"/>
-              <a:t>13</a:t>
+              <a:t>12</a:t>
             </a:fld>
             <a:endParaRPr lang="ko-KR" altLang="en-US"/>
           </a:p>
@@ -1413,7 +1491,7 @@
     </p:spTree>
     <p:extLst>
       <p:ext uri="{BB962C8B-B14F-4D97-AF65-F5344CB8AC3E}">
-        <p14:creationId xmlns:p14="http://schemas.microsoft.com/office/powerpoint/2010/main" val="784051990"/>
+        <p14:creationId xmlns:p14="http://schemas.microsoft.com/office/powerpoint/2010/main" val="922536909"/>
       </p:ext>
     </p:extLst>
   </p:cSld>
@@ -1469,7 +1547,21 @@
           <a:p>
             <a:r>
               <a:rPr lang="ko-KR" altLang="en-US" dirty="0"/>
-              <a:t>문제의 기대 수익률인데요</a:t>
+              <a:t>반대로 초기자산이 없어도</a:t>
+            </a:r>
+          </a:p>
+          <a:p>
+            <a:r>
+              <a:rPr lang="ko-KR" altLang="en-US" dirty="0"/>
+              <a:t>월 투자금을 늘리면 </a:t>
+            </a:r>
+            <a:r>
+              <a:rPr lang="en-US" altLang="ko-KR" dirty="0"/>
+              <a:t>5</a:t>
+            </a:r>
+            <a:r>
+              <a:rPr lang="ko-KR" altLang="en-US" dirty="0"/>
+              <a:t>억까지 가는 기간을 크게 줄일 수 있는데요</a:t>
             </a:r>
             <a:r>
               <a:rPr lang="en-US" altLang="ko-KR" dirty="0"/>
@@ -1479,13 +1571,41 @@
           <a:p>
             <a:r>
               <a:rPr lang="ko-KR" altLang="en-US" dirty="0"/>
-              <a:t>많은 투자 전략이나 주식 관련 방송이 사실은</a:t>
-            </a:r>
-          </a:p>
-          <a:p>
-            <a:r>
-              <a:rPr lang="ko-KR" altLang="en-US" dirty="0"/>
-              <a:t>이 기대수익률을 높이자고 보게 되는 경우가 많죠</a:t>
+              <a:t>월에 </a:t>
+            </a:r>
+            <a:r>
+              <a:rPr lang="en-US" altLang="ko-KR" dirty="0"/>
+              <a:t>50</a:t>
+            </a:r>
+            <a:r>
+              <a:rPr lang="ko-KR" altLang="en-US" dirty="0"/>
+              <a:t>만원씩 투자하면 </a:t>
+            </a:r>
+            <a:r>
+              <a:rPr lang="en-US" altLang="ko-KR" dirty="0"/>
+              <a:t>23</a:t>
+            </a:r>
+            <a:r>
+              <a:rPr lang="ko-KR" altLang="en-US" dirty="0"/>
+              <a:t>년 걸리던 목표달성 기간이</a:t>
+            </a:r>
+          </a:p>
+          <a:p>
+            <a:r>
+              <a:rPr lang="en-US" altLang="ko-KR" dirty="0"/>
+              <a:t>200</a:t>
+            </a:r>
+            <a:r>
+              <a:rPr lang="ko-KR" altLang="en-US" dirty="0"/>
+              <a:t>만원씩 투자할 수 있다고 하면 </a:t>
+            </a:r>
+            <a:r>
+              <a:rPr lang="en-US" altLang="ko-KR" dirty="0"/>
+              <a:t>12</a:t>
+            </a:r>
+            <a:r>
+              <a:rPr lang="ko-KR" altLang="en-US" dirty="0"/>
+              <a:t>년 밑으로 줄어듭니다</a:t>
             </a:r>
             <a:r>
               <a:rPr lang="en-US" altLang="ko-KR" dirty="0"/>
@@ -1498,94 +1618,15 @@
           <a:p>
             <a:r>
               <a:rPr lang="ko-KR" altLang="en-US" dirty="0"/>
-              <a:t>정확히 기대수익률이라는 단어를 사용하지는 않지만</a:t>
-            </a:r>
-          </a:p>
-          <a:p>
-            <a:r>
-              <a:rPr lang="ko-KR" altLang="en-US" dirty="0"/>
-              <a:t>결국 많이 벌겠다 라는 일념으로 유튜브나 방송</a:t>
-            </a:r>
-            <a:r>
-              <a:rPr lang="en-US" altLang="ko-KR" dirty="0"/>
-              <a:t>, </a:t>
-            </a:r>
-            <a:r>
-              <a:rPr lang="ko-KR" altLang="en-US" dirty="0"/>
-              <a:t>뉴스 </a:t>
+              <a:t>초반에 </a:t>
             </a:r>
             <a:r>
               <a:rPr lang="ko-KR" altLang="en-US" dirty="0" err="1"/>
-              <a:t>같은걸</a:t>
-            </a:r>
-            <a:endParaRPr lang="ko-KR" altLang="en-US" dirty="0"/>
-          </a:p>
-          <a:p>
-            <a:r>
-              <a:rPr lang="ko-KR" altLang="en-US" dirty="0"/>
-              <a:t>시청하시는 거니까요</a:t>
-            </a:r>
-            <a:r>
-              <a:rPr lang="en-US" altLang="ko-KR" dirty="0"/>
-              <a:t>.</a:t>
-            </a:r>
-          </a:p>
-          <a:p>
-            <a:endParaRPr lang="en-US" altLang="ko-KR" dirty="0"/>
-          </a:p>
-          <a:p>
-            <a:r>
-              <a:rPr lang="ko-KR" altLang="en-US" dirty="0"/>
-              <a:t>실제로 기대수익률을 </a:t>
-            </a:r>
-            <a:r>
-              <a:rPr lang="en-US" altLang="ko-KR" dirty="0"/>
-              <a:t>5%</a:t>
-            </a:r>
-            <a:r>
-              <a:rPr lang="ko-KR" altLang="en-US" dirty="0"/>
-              <a:t>늘릴 때 마다 목표달성 기간을 크게 줄일 수 있으니까</a:t>
-            </a:r>
-          </a:p>
-          <a:p>
-            <a:r>
-              <a:rPr lang="ko-KR" altLang="en-US" dirty="0"/>
-              <a:t>기대수익률이 높다고 </a:t>
-            </a:r>
-            <a:r>
-              <a:rPr lang="ko-KR" altLang="en-US" dirty="0" err="1"/>
-              <a:t>나쁠껀</a:t>
-            </a:r>
-            <a:r>
-              <a:rPr lang="ko-KR" altLang="en-US" dirty="0"/>
-              <a:t> 없죠</a:t>
-            </a:r>
-            <a:r>
-              <a:rPr lang="en-US" altLang="ko-KR" dirty="0"/>
-              <a:t>.</a:t>
-            </a:r>
-          </a:p>
-          <a:p>
-            <a:r>
-              <a:rPr lang="ko-KR" altLang="en-US" dirty="0"/>
-              <a:t>오히려 </a:t>
-            </a:r>
-            <a:r>
-              <a:rPr lang="ko-KR" altLang="en-US" dirty="0" err="1"/>
-              <a:t>좋은거죠</a:t>
-            </a:r>
-            <a:r>
-              <a:rPr lang="en-US" altLang="ko-KR" dirty="0"/>
-              <a:t>.</a:t>
-            </a:r>
-          </a:p>
-          <a:p>
-            <a:endParaRPr lang="en-US" altLang="ko-KR" dirty="0"/>
-          </a:p>
-          <a:p>
-            <a:r>
-              <a:rPr lang="ko-KR" altLang="en-US" dirty="0"/>
-              <a:t>근데 문제는 기대 수익률의 정반대편에 리스크가 있다는 건데요</a:t>
+              <a:t>시드를</a:t>
+            </a:r>
+            <a:r>
+              <a:rPr lang="ko-KR" altLang="en-US" dirty="0"/>
+              <a:t> 만들기 전에는 절약이 중요한 이유를 알 수 있죠</a:t>
             </a:r>
             <a:r>
               <a:rPr lang="en-US" altLang="ko-KR" dirty="0"/>
@@ -1612,7 +1653,7 @@
           <a:p>
             <a:fld id="{AF377DAE-6E9C-4F87-A8EC-C6E75F6BD3E4}" type="slidenum">
               <a:rPr lang="ko-KR" altLang="en-US" smtClean="0"/>
-              <a:t>14</a:t>
+              <a:t>13</a:t>
             </a:fld>
             <a:endParaRPr lang="ko-KR" altLang="en-US"/>
           </a:p>
@@ -1621,7 +1662,7 @@
     </p:spTree>
     <p:extLst>
       <p:ext uri="{BB962C8B-B14F-4D97-AF65-F5344CB8AC3E}">
-        <p14:creationId xmlns:p14="http://schemas.microsoft.com/office/powerpoint/2010/main" val="2145182515"/>
+        <p14:creationId xmlns:p14="http://schemas.microsoft.com/office/powerpoint/2010/main" val="784051990"/>
       </p:ext>
     </p:extLst>
   </p:cSld>
@@ -1677,37 +1718,96 @@
           <a:p>
             <a:r>
               <a:rPr lang="ko-KR" altLang="en-US" dirty="0"/>
-              <a:t>제가 예전에 올린 유튜브 영상에서도 </a:t>
+              <a:t>문제의 기대 수익률인데요</a:t>
+            </a:r>
+            <a:r>
+              <a:rPr lang="en-US" altLang="ko-KR" dirty="0"/>
+              <a:t>.</a:t>
+            </a:r>
+          </a:p>
+          <a:p>
+            <a:r>
+              <a:rPr lang="ko-KR" altLang="en-US" dirty="0"/>
+              <a:t>많은 투자 전략이나 주식 관련 방송이 사실은</a:t>
+            </a:r>
+          </a:p>
+          <a:p>
+            <a:r>
+              <a:rPr lang="ko-KR" altLang="en-US" dirty="0"/>
+              <a:t>이 기대수익률을 높이자고 보게 되는 경우가 많죠</a:t>
+            </a:r>
+            <a:r>
+              <a:rPr lang="en-US" altLang="ko-KR" dirty="0"/>
+              <a:t>.</a:t>
+            </a:r>
+          </a:p>
+          <a:p>
+            <a:endParaRPr lang="en-US" altLang="ko-KR" dirty="0"/>
+          </a:p>
+          <a:p>
+            <a:r>
+              <a:rPr lang="ko-KR" altLang="en-US" dirty="0"/>
+              <a:t>정확히 기대수익률이라는 단어를 사용하지는 않지만</a:t>
+            </a:r>
+          </a:p>
+          <a:p>
+            <a:r>
+              <a:rPr lang="ko-KR" altLang="en-US" dirty="0"/>
+              <a:t>결국 많이 벌겠다 라는 일념으로 유튜브나 방송</a:t>
+            </a:r>
+            <a:r>
+              <a:rPr lang="en-US" altLang="ko-KR" dirty="0"/>
+              <a:t>, </a:t>
+            </a:r>
+            <a:r>
+              <a:rPr lang="ko-KR" altLang="en-US" dirty="0"/>
+              <a:t>뉴스 </a:t>
             </a:r>
             <a:r>
               <a:rPr lang="ko-KR" altLang="en-US" dirty="0" err="1"/>
-              <a:t>설명드린</a:t>
-            </a:r>
-            <a:r>
-              <a:rPr lang="ko-KR" altLang="en-US" dirty="0"/>
-              <a:t> 자료인데</a:t>
-            </a:r>
-          </a:p>
-          <a:p>
-            <a:r>
-              <a:rPr lang="en-US" altLang="ko-KR" dirty="0"/>
-              <a:t>TQQQ </a:t>
-            </a:r>
-            <a:r>
-              <a:rPr lang="ko-KR" altLang="en-US" dirty="0"/>
-              <a:t>나스닥 </a:t>
-            </a:r>
-            <a:r>
-              <a:rPr lang="en-US" altLang="ko-KR" dirty="0"/>
-              <a:t>3</a:t>
-            </a:r>
-            <a:r>
-              <a:rPr lang="ko-KR" altLang="en-US" dirty="0"/>
-              <a:t>배 </a:t>
+              <a:t>같은걸</a:t>
+            </a:r>
+            <a:endParaRPr lang="ko-KR" altLang="en-US" dirty="0"/>
+          </a:p>
+          <a:p>
+            <a:r>
+              <a:rPr lang="ko-KR" altLang="en-US" dirty="0"/>
+              <a:t>시청하시는 거니까요</a:t>
+            </a:r>
+            <a:r>
+              <a:rPr lang="en-US" altLang="ko-KR" dirty="0"/>
+              <a:t>.</a:t>
+            </a:r>
+          </a:p>
+          <a:p>
+            <a:endParaRPr lang="en-US" altLang="ko-KR" dirty="0"/>
+          </a:p>
+          <a:p>
+            <a:r>
+              <a:rPr lang="ko-KR" altLang="en-US" dirty="0"/>
+              <a:t>실제로 기대수익률을 </a:t>
+            </a:r>
+            <a:r>
+              <a:rPr lang="en-US" altLang="ko-KR" dirty="0"/>
+              <a:t>5%</a:t>
+            </a:r>
+            <a:r>
+              <a:rPr lang="ko-KR" altLang="en-US" dirty="0"/>
+              <a:t>늘릴 때 마다 목표달성 기간을 크게 줄일 수 있으니까</a:t>
+            </a:r>
+          </a:p>
+          <a:p>
+            <a:r>
+              <a:rPr lang="ko-KR" altLang="en-US" dirty="0"/>
+              <a:t>기대수익률이 높다고 </a:t>
             </a:r>
             <a:r>
               <a:rPr lang="ko-KR" altLang="en-US" dirty="0" err="1"/>
-              <a:t>레버리지죠</a:t>
+              <a:t>나쁠껀</a:t>
+            </a:r>
+            <a:r>
+              <a:rPr lang="ko-KR" altLang="en-US" dirty="0"/>
+              <a:t> 없죠</a:t>
             </a:r>
             <a:r>
               <a:rPr lang="en-US" altLang="ko-KR" dirty="0"/>
@@ -1716,18 +1816,25 @@
           </a:p>
           <a:p>
             <a:r>
-              <a:rPr lang="en-US" altLang="ko-KR" dirty="0"/>
-              <a:t>TQQQ</a:t>
-            </a:r>
-            <a:r>
-              <a:rPr lang="ko-KR" altLang="en-US" dirty="0"/>
-              <a:t>에 안전자산을 섞는 방식으로 포트폴리오를 구성하는 건데</a:t>
-            </a:r>
-          </a:p>
-          <a:p>
-            <a:r>
-              <a:rPr lang="ko-KR" altLang="en-US" dirty="0"/>
-              <a:t>리턴이 높아지면 높아질수록 리스크도 같이 높아지는 경향을 확실하게 확인할 수 있습니다</a:t>
+              <a:rPr lang="ko-KR" altLang="en-US" dirty="0"/>
+              <a:t>오히려 </a:t>
+            </a:r>
+            <a:r>
+              <a:rPr lang="ko-KR" altLang="en-US" dirty="0" err="1"/>
+              <a:t>좋은거죠</a:t>
+            </a:r>
+            <a:r>
+              <a:rPr lang="en-US" altLang="ko-KR" dirty="0"/>
+              <a:t>.</a:t>
+            </a:r>
+          </a:p>
+          <a:p>
+            <a:endParaRPr lang="en-US" altLang="ko-KR" dirty="0"/>
+          </a:p>
+          <a:p>
+            <a:r>
+              <a:rPr lang="ko-KR" altLang="en-US" dirty="0"/>
+              <a:t>근데 문제는 기대 수익률의 정반대편에 리스크가 있다는 건데요</a:t>
             </a:r>
             <a:r>
               <a:rPr lang="en-US" altLang="ko-KR" dirty="0"/>
@@ -1754,7 +1861,7 @@
           <a:p>
             <a:fld id="{AF377DAE-6E9C-4F87-A8EC-C6E75F6BD3E4}" type="slidenum">
               <a:rPr lang="ko-KR" altLang="en-US" smtClean="0"/>
-              <a:t>15</a:t>
+              <a:t>14</a:t>
             </a:fld>
             <a:endParaRPr lang="ko-KR" altLang="en-US"/>
           </a:p>
@@ -1763,7 +1870,7 @@
     </p:spTree>
     <p:extLst>
       <p:ext uri="{BB962C8B-B14F-4D97-AF65-F5344CB8AC3E}">
-        <p14:creationId xmlns:p14="http://schemas.microsoft.com/office/powerpoint/2010/main" val="2123527070"/>
+        <p14:creationId xmlns:p14="http://schemas.microsoft.com/office/powerpoint/2010/main" val="2145182515"/>
       </p:ext>
     </p:extLst>
   </p:cSld>
@@ -1819,6 +1926,148 @@
           <a:p>
             <a:r>
               <a:rPr lang="ko-KR" altLang="en-US" dirty="0"/>
+              <a:t>제가 예전에 올린 유튜브 영상에서도 </a:t>
+            </a:r>
+            <a:r>
+              <a:rPr lang="ko-KR" altLang="en-US" dirty="0" err="1"/>
+              <a:t>설명드린</a:t>
+            </a:r>
+            <a:r>
+              <a:rPr lang="ko-KR" altLang="en-US" dirty="0"/>
+              <a:t> 자료인데</a:t>
+            </a:r>
+          </a:p>
+          <a:p>
+            <a:r>
+              <a:rPr lang="en-US" altLang="ko-KR" dirty="0"/>
+              <a:t>TQQQ </a:t>
+            </a:r>
+            <a:r>
+              <a:rPr lang="ko-KR" altLang="en-US" dirty="0"/>
+              <a:t>나스닥 </a:t>
+            </a:r>
+            <a:r>
+              <a:rPr lang="en-US" altLang="ko-KR" dirty="0"/>
+              <a:t>3</a:t>
+            </a:r>
+            <a:r>
+              <a:rPr lang="ko-KR" altLang="en-US" dirty="0"/>
+              <a:t>배 </a:t>
+            </a:r>
+            <a:r>
+              <a:rPr lang="ko-KR" altLang="en-US" dirty="0" err="1"/>
+              <a:t>레버리지죠</a:t>
+            </a:r>
+            <a:r>
+              <a:rPr lang="en-US" altLang="ko-KR" dirty="0"/>
+              <a:t>.</a:t>
+            </a:r>
+          </a:p>
+          <a:p>
+            <a:r>
+              <a:rPr lang="en-US" altLang="ko-KR" dirty="0"/>
+              <a:t>TQQQ</a:t>
+            </a:r>
+            <a:r>
+              <a:rPr lang="ko-KR" altLang="en-US" dirty="0"/>
+              <a:t>에 안전자산을 섞는 방식으로 포트폴리오를 구성하는 건데</a:t>
+            </a:r>
+          </a:p>
+          <a:p>
+            <a:r>
+              <a:rPr lang="ko-KR" altLang="en-US" dirty="0"/>
+              <a:t>리턴이 높아지면 높아질수록 리스크도 같이 높아지는 경향을 확실하게 확인할 수 있습니다</a:t>
+            </a:r>
+            <a:r>
+              <a:rPr lang="en-US" altLang="ko-KR" dirty="0"/>
+              <a:t>.</a:t>
+            </a:r>
+            <a:endParaRPr lang="ko-KR" altLang="en-US" dirty="0"/>
+          </a:p>
+        </p:txBody>
+      </p:sp>
+      <p:sp>
+        <p:nvSpPr>
+          <p:cNvPr id="4" name="슬라이드 번호 개체 틀 3"/>
+          <p:cNvSpPr>
+            <a:spLocks noGrp="1"/>
+          </p:cNvSpPr>
+          <p:nvPr>
+            <p:ph type="sldNum" sz="quarter" idx="5"/>
+          </p:nvPr>
+        </p:nvSpPr>
+        <p:spPr/>
+        <p:txBody>
+          <a:bodyPr/>
+          <a:lstStyle/>
+          <a:p>
+            <a:fld id="{AF377DAE-6E9C-4F87-A8EC-C6E75F6BD3E4}" type="slidenum">
+              <a:rPr lang="ko-KR" altLang="en-US" smtClean="0"/>
+              <a:t>15</a:t>
+            </a:fld>
+            <a:endParaRPr lang="ko-KR" altLang="en-US"/>
+          </a:p>
+        </p:txBody>
+      </p:sp>
+    </p:spTree>
+    <p:extLst>
+      <p:ext uri="{BB962C8B-B14F-4D97-AF65-F5344CB8AC3E}">
+        <p14:creationId xmlns:p14="http://schemas.microsoft.com/office/powerpoint/2010/main" val="2123527070"/>
+      </p:ext>
+    </p:extLst>
+  </p:cSld>
+  <p:clrMapOvr>
+    <a:masterClrMapping/>
+  </p:clrMapOvr>
+</p:notes>
+</file>
+
+<file path=ppt/notesSlides/notesSlide16.xml><?xml version="1.0" encoding="utf-8"?>
+<p:notes xmlns:a="http://schemas.openxmlformats.org/drawingml/2006/main" xmlns:r="http://schemas.openxmlformats.org/officeDocument/2006/relationships" xmlns:p="http://schemas.openxmlformats.org/presentationml/2006/main">
+  <p:cSld>
+    <p:spTree>
+      <p:nvGrpSpPr>
+        <p:cNvPr id="1" name=""/>
+        <p:cNvGrpSpPr/>
+        <p:nvPr/>
+      </p:nvGrpSpPr>
+      <p:grpSpPr>
+        <a:xfrm>
+          <a:off x="0" y="0"/>
+          <a:ext cx="0" cy="0"/>
+          <a:chOff x="0" y="0"/>
+          <a:chExt cx="0" cy="0"/>
+        </a:xfrm>
+      </p:grpSpPr>
+      <p:sp>
+        <p:nvSpPr>
+          <p:cNvPr id="2" name="슬라이드 이미지 개체 틀 1"/>
+          <p:cNvSpPr>
+            <a:spLocks noGrp="1" noRot="1" noChangeAspect="1"/>
+          </p:cNvSpPr>
+          <p:nvPr>
+            <p:ph type="sldImg"/>
+          </p:nvPr>
+        </p:nvSpPr>
+        <p:spPr/>
+      </p:sp>
+      <p:sp>
+        <p:nvSpPr>
+          <p:cNvPr id="3" name="슬라이드 노트 개체 틀 2"/>
+          <p:cNvSpPr>
+            <a:spLocks noGrp="1"/>
+          </p:cNvSpPr>
+          <p:nvPr>
+            <p:ph type="body" idx="1"/>
+          </p:nvPr>
+        </p:nvSpPr>
+        <p:spPr/>
+        <p:txBody>
+          <a:bodyPr/>
+          <a:lstStyle/>
+          <a:p>
+            <a:r>
+              <a:rPr lang="ko-KR" altLang="en-US" dirty="0"/>
               <a:t>그러니까 높은 리턴에는 높은 리스크가 따른다는 건</a:t>
             </a:r>
           </a:p>
@@ -1925,7 +2174,7 @@
 </p:notes>
 </file>
 
-<file path=ppt/notesSlides/notesSlide16.xml><?xml version="1.0" encoding="utf-8"?>
+<file path=ppt/notesSlides/notesSlide17.xml><?xml version="1.0" encoding="utf-8"?>
 <p:notes xmlns:a="http://schemas.openxmlformats.org/drawingml/2006/main" xmlns:r="http://schemas.openxmlformats.org/officeDocument/2006/relationships" xmlns:p="http://schemas.openxmlformats.org/presentationml/2006/main">
   <p:cSld>
     <p:spTree>
@@ -2079,165 +2328,6 @@
     <p:extLst>
       <p:ext uri="{BB962C8B-B14F-4D97-AF65-F5344CB8AC3E}">
         <p14:creationId xmlns:p14="http://schemas.microsoft.com/office/powerpoint/2010/main" val="653269696"/>
-      </p:ext>
-    </p:extLst>
-  </p:cSld>
-  <p:clrMapOvr>
-    <a:masterClrMapping/>
-  </p:clrMapOvr>
-</p:notes>
-</file>
-
-<file path=ppt/notesSlides/notesSlide17.xml><?xml version="1.0" encoding="utf-8"?>
-<p:notes xmlns:a="http://schemas.openxmlformats.org/drawingml/2006/main" xmlns:r="http://schemas.openxmlformats.org/officeDocument/2006/relationships" xmlns:p="http://schemas.openxmlformats.org/presentationml/2006/main">
-  <p:cSld>
-    <p:spTree>
-      <p:nvGrpSpPr>
-        <p:cNvPr id="1" name=""/>
-        <p:cNvGrpSpPr/>
-        <p:nvPr/>
-      </p:nvGrpSpPr>
-      <p:grpSpPr>
-        <a:xfrm>
-          <a:off x="0" y="0"/>
-          <a:ext cx="0" cy="0"/>
-          <a:chOff x="0" y="0"/>
-          <a:chExt cx="0" cy="0"/>
-        </a:xfrm>
-      </p:grpSpPr>
-      <p:sp>
-        <p:nvSpPr>
-          <p:cNvPr id="2" name="슬라이드 이미지 개체 틀 1"/>
-          <p:cNvSpPr>
-            <a:spLocks noGrp="1" noRot="1" noChangeAspect="1"/>
-          </p:cNvSpPr>
-          <p:nvPr>
-            <p:ph type="sldImg"/>
-          </p:nvPr>
-        </p:nvSpPr>
-        <p:spPr/>
-      </p:sp>
-      <p:sp>
-        <p:nvSpPr>
-          <p:cNvPr id="3" name="슬라이드 노트 개체 틀 2"/>
-          <p:cNvSpPr>
-            <a:spLocks noGrp="1"/>
-          </p:cNvSpPr>
-          <p:nvPr>
-            <p:ph type="body" idx="1"/>
-          </p:nvPr>
-        </p:nvSpPr>
-        <p:spPr/>
-        <p:txBody>
-          <a:bodyPr/>
-          <a:lstStyle/>
-          <a:p>
-            <a:r>
-              <a:rPr lang="ko-KR" altLang="en-US" dirty="0"/>
-              <a:t>그럼 이제 우리가 목표 자산을 </a:t>
-            </a:r>
-            <a:r>
-              <a:rPr lang="en-US" altLang="ko-KR" dirty="0"/>
-              <a:t>5</a:t>
-            </a:r>
-            <a:r>
-              <a:rPr lang="ko-KR" altLang="en-US" dirty="0"/>
-              <a:t>억으로 정했고</a:t>
-            </a:r>
-          </a:p>
-          <a:p>
-            <a:r>
-              <a:rPr lang="ko-KR" altLang="en-US" dirty="0"/>
-              <a:t>목표 자산을 구성하는 변수인 초기자산</a:t>
-            </a:r>
-            <a:r>
-              <a:rPr lang="en-US" altLang="ko-KR" dirty="0"/>
-              <a:t>, </a:t>
-            </a:r>
-            <a:r>
-              <a:rPr lang="ko-KR" altLang="en-US" dirty="0"/>
-              <a:t>월투자금</a:t>
-            </a:r>
-            <a:r>
-              <a:rPr lang="en-US" altLang="ko-KR" dirty="0"/>
-              <a:t>, </a:t>
-            </a:r>
-            <a:r>
-              <a:rPr lang="ko-KR" altLang="en-US" dirty="0"/>
-              <a:t>투자기간을 통해서</a:t>
-            </a:r>
-          </a:p>
-          <a:p>
-            <a:r>
-              <a:rPr lang="ko-KR" altLang="en-US" dirty="0"/>
-              <a:t>이건 사람마다 각자 다르겠죠</a:t>
-            </a:r>
-            <a:r>
-              <a:rPr lang="en-US" altLang="ko-KR" dirty="0"/>
-              <a:t>. </a:t>
-            </a:r>
-            <a:r>
-              <a:rPr lang="ko-KR" altLang="en-US" dirty="0"/>
-              <a:t>직접 입력해보시면 되고요</a:t>
-            </a:r>
-            <a:r>
-              <a:rPr lang="en-US" altLang="ko-KR" dirty="0"/>
-              <a:t>.</a:t>
-            </a:r>
-          </a:p>
-          <a:p>
-            <a:r>
-              <a:rPr lang="ko-KR" altLang="en-US" dirty="0"/>
-              <a:t>이걸 통해서 필요한 기대수익률을 알게 되실 거예요</a:t>
-            </a:r>
-            <a:r>
-              <a:rPr lang="en-US" altLang="ko-KR" dirty="0"/>
-              <a:t>.</a:t>
-            </a:r>
-          </a:p>
-          <a:p>
-            <a:r>
-              <a:rPr lang="ko-KR" altLang="en-US" dirty="0"/>
-              <a:t>그리고 기대수익률이 변동성과 반비례한다는 것도 설명을 통해서</a:t>
-            </a:r>
-            <a:endParaRPr lang="en-US" altLang="ko-KR" dirty="0"/>
-          </a:p>
-          <a:p>
-            <a:r>
-              <a:rPr lang="ko-KR" altLang="en-US" dirty="0"/>
-              <a:t>어느 정도 이해는 하셨을 텐데</a:t>
-            </a:r>
-            <a:endParaRPr lang="en-US" altLang="ko-KR" dirty="0"/>
-          </a:p>
-        </p:txBody>
-      </p:sp>
-      <p:sp>
-        <p:nvSpPr>
-          <p:cNvPr id="4" name="슬라이드 번호 개체 틀 3"/>
-          <p:cNvSpPr>
-            <a:spLocks noGrp="1"/>
-          </p:cNvSpPr>
-          <p:nvPr>
-            <p:ph type="sldNum" sz="quarter" idx="5"/>
-          </p:nvPr>
-        </p:nvSpPr>
-        <p:spPr/>
-        <p:txBody>
-          <a:bodyPr/>
-          <a:lstStyle/>
-          <a:p>
-            <a:fld id="{AF377DAE-6E9C-4F87-A8EC-C6E75F6BD3E4}" type="slidenum">
-              <a:rPr lang="ko-KR" altLang="en-US" smtClean="0"/>
-              <a:t>18</a:t>
-            </a:fld>
-            <a:endParaRPr lang="ko-KR" altLang="en-US"/>
-          </a:p>
-        </p:txBody>
-      </p:sp>
-    </p:spTree>
-    <p:extLst>
-      <p:ext uri="{BB962C8B-B14F-4D97-AF65-F5344CB8AC3E}">
-        <p14:creationId xmlns:p14="http://schemas.microsoft.com/office/powerpoint/2010/main" val="3123320162"/>
       </p:ext>
     </p:extLst>
   </p:cSld>
@@ -2293,7 +2383,51 @@
           <a:p>
             <a:r>
               <a:rPr lang="ko-KR" altLang="en-US" dirty="0"/>
-              <a:t>근데 이 변동성이라는 게 확 와닿지는 않아요</a:t>
+              <a:t>그럼 이제 우리가 목표 자산을 </a:t>
+            </a:r>
+            <a:r>
+              <a:rPr lang="en-US" altLang="ko-KR" dirty="0"/>
+              <a:t>5</a:t>
+            </a:r>
+            <a:r>
+              <a:rPr lang="ko-KR" altLang="en-US" dirty="0"/>
+              <a:t>억으로 정했고</a:t>
+            </a:r>
+          </a:p>
+          <a:p>
+            <a:r>
+              <a:rPr lang="ko-KR" altLang="en-US" dirty="0"/>
+              <a:t>목표 자산을 구성하는 변수인 초기자산</a:t>
+            </a:r>
+            <a:r>
+              <a:rPr lang="en-US" altLang="ko-KR" dirty="0"/>
+              <a:t>, </a:t>
+            </a:r>
+            <a:r>
+              <a:rPr lang="ko-KR" altLang="en-US" dirty="0"/>
+              <a:t>월투자금</a:t>
+            </a:r>
+            <a:r>
+              <a:rPr lang="en-US" altLang="ko-KR" dirty="0"/>
+              <a:t>, </a:t>
+            </a:r>
+            <a:r>
+              <a:rPr lang="ko-KR" altLang="en-US" dirty="0"/>
+              <a:t>투자기간을 통해서</a:t>
+            </a:r>
+          </a:p>
+          <a:p>
+            <a:r>
+              <a:rPr lang="ko-KR" altLang="en-US" dirty="0"/>
+              <a:t>이건 사람마다 각자 다르겠죠</a:t>
+            </a:r>
+            <a:r>
+              <a:rPr lang="en-US" altLang="ko-KR" dirty="0"/>
+              <a:t>. </a:t>
+            </a:r>
+            <a:r>
+              <a:rPr lang="ko-KR" altLang="en-US" dirty="0"/>
+              <a:t>직접 입력해보시면 되고요</a:t>
             </a:r>
             <a:r>
               <a:rPr lang="en-US" altLang="ko-KR" dirty="0"/>
@@ -2303,65 +2437,26 @@
           <a:p>
             <a:r>
               <a:rPr lang="ko-KR" altLang="en-US" dirty="0"/>
-              <a:t>일상적으로 사용하는 단어는 </a:t>
-            </a:r>
-            <a:r>
-              <a:rPr lang="ko-KR" altLang="en-US" dirty="0" err="1"/>
-              <a:t>아니라서</a:t>
-            </a:r>
-            <a:r>
-              <a:rPr lang="ko-KR" altLang="en-US" dirty="0"/>
-              <a:t> 그런지</a:t>
+              <a:t>이걸 통해서 필요한 기대수익률을 알게 되실 거예요</a:t>
+            </a:r>
+            <a:r>
+              <a:rPr lang="en-US" altLang="ko-KR" dirty="0"/>
+              <a:t>.</a:t>
+            </a:r>
+          </a:p>
+          <a:p>
+            <a:r>
+              <a:rPr lang="ko-KR" altLang="en-US" dirty="0"/>
+              <a:t>그리고 기대수익률이 변동성과 비례한다는 것도 설명을 통해서</a:t>
             </a:r>
             <a:endParaRPr lang="en-US" altLang="ko-KR" dirty="0"/>
           </a:p>
           <a:p>
             <a:r>
               <a:rPr lang="ko-KR" altLang="en-US" dirty="0"/>
-              <a:t>도대체 얼마나 리스크를 감당하라는 건지 도통 모르겠죠</a:t>
-            </a:r>
-            <a:r>
-              <a:rPr lang="en-US" altLang="ko-KR" dirty="0"/>
-              <a:t>.</a:t>
-            </a:r>
-          </a:p>
-          <a:p>
+              <a:t>어느 정도 이해는 하셨을 텐데</a:t>
+            </a:r>
             <a:endParaRPr lang="en-US" altLang="ko-KR" dirty="0"/>
-          </a:p>
-          <a:p>
-            <a:r>
-              <a:rPr lang="ko-KR" altLang="en-US" dirty="0"/>
-              <a:t>그래서 제가 자산들의</a:t>
-            </a:r>
-            <a:r>
-              <a:rPr lang="en-US" altLang="ko-KR" dirty="0"/>
-              <a:t> </a:t>
-            </a:r>
-            <a:r>
-              <a:rPr lang="ko-KR" altLang="en-US" dirty="0"/>
-              <a:t>기본적인 분석을 통해서 변동성에 대한 감을 잡을 수 있도록</a:t>
-            </a:r>
-            <a:endParaRPr lang="en-US" altLang="ko-KR" dirty="0"/>
-          </a:p>
-          <a:p>
-            <a:r>
-              <a:rPr lang="ko-KR" altLang="en-US" dirty="0"/>
-              <a:t>첫번째 프로그램을 만들어 뒀습니다</a:t>
-            </a:r>
-            <a:r>
-              <a:rPr lang="en-US" altLang="ko-KR" dirty="0"/>
-              <a:t>.</a:t>
-            </a:r>
-          </a:p>
-          <a:p>
-            <a:r>
-              <a:rPr lang="ko-KR" altLang="en-US" dirty="0"/>
-              <a:t>조금 있다가 같이 돌려보시고 일단 먼저 장표로 보시죠</a:t>
-            </a:r>
-            <a:r>
-              <a:rPr lang="en-US" altLang="ko-KR" dirty="0"/>
-              <a:t>.</a:t>
-            </a:r>
           </a:p>
         </p:txBody>
       </p:sp>
@@ -2382,7 +2477,7 @@
           <a:p>
             <a:fld id="{AF377DAE-6E9C-4F87-A8EC-C6E75F6BD3E4}" type="slidenum">
               <a:rPr lang="ko-KR" altLang="en-US" smtClean="0"/>
-              <a:t>19</a:t>
+              <a:t>18</a:t>
             </a:fld>
             <a:endParaRPr lang="ko-KR" altLang="en-US"/>
           </a:p>
@@ -2391,7 +2486,7 @@
     </p:spTree>
     <p:extLst>
       <p:ext uri="{BB962C8B-B14F-4D97-AF65-F5344CB8AC3E}">
-        <p14:creationId xmlns:p14="http://schemas.microsoft.com/office/powerpoint/2010/main" val="2008329760"/>
+        <p14:creationId xmlns:p14="http://schemas.microsoft.com/office/powerpoint/2010/main" val="3123320162"/>
       </p:ext>
     </p:extLst>
   </p:cSld>
@@ -2447,15 +2542,7 @@
           <a:p>
             <a:r>
               <a:rPr lang="ko-KR" altLang="en-US" dirty="0"/>
-              <a:t>이게 </a:t>
-            </a:r>
-            <a:r>
-              <a:rPr lang="en-US" altLang="ko-KR" dirty="0"/>
-              <a:t>QQQ </a:t>
-            </a:r>
-            <a:r>
-              <a:rPr lang="ko-KR" altLang="en-US" dirty="0"/>
-              <a:t>누적 수익률인데요</a:t>
+              <a:t>근데 이 변동성이라는 게 확 와닿지는 않아요</a:t>
             </a:r>
             <a:r>
               <a:rPr lang="en-US" altLang="ko-KR" dirty="0"/>
@@ -2465,11 +2552,22 @@
           <a:p>
             <a:r>
               <a:rPr lang="ko-KR" altLang="en-US" dirty="0"/>
-              <a:t>많이 보셨을 </a:t>
+              <a:t>일상적으로 사용하는 단어는 </a:t>
             </a:r>
             <a:r>
               <a:rPr lang="ko-KR" altLang="en-US" dirty="0" err="1"/>
-              <a:t>그래프죠</a:t>
+              <a:t>아니라서</a:t>
+            </a:r>
+            <a:r>
+              <a:rPr lang="ko-KR" altLang="en-US" dirty="0"/>
+              <a:t> 그런지</a:t>
+            </a:r>
+            <a:endParaRPr lang="en-US" altLang="ko-KR" dirty="0"/>
+          </a:p>
+          <a:p>
+            <a:r>
+              <a:rPr lang="ko-KR" altLang="en-US" dirty="0"/>
+              <a:t>도대체 얼마나 리스크를 감당하라는 건지 도통 모르겠죠</a:t>
             </a:r>
             <a:r>
               <a:rPr lang="en-US" altLang="ko-KR" dirty="0"/>
@@ -2477,17 +2575,27 @@
             </a:r>
           </a:p>
           <a:p>
-            <a:r>
-              <a:rPr lang="ko-KR" altLang="en-US" dirty="0"/>
-              <a:t>이 그래프로 봐도 약간 변동성이 </a:t>
-            </a:r>
-            <a:r>
-              <a:rPr lang="ko-KR" altLang="en-US" dirty="0" err="1"/>
-              <a:t>뭔지는</a:t>
-            </a:r>
-            <a:r>
-              <a:rPr lang="ko-KR" altLang="en-US" dirty="0"/>
-              <a:t> 조금 감은 오죠</a:t>
+            <a:endParaRPr lang="en-US" altLang="ko-KR" dirty="0"/>
+          </a:p>
+          <a:p>
+            <a:r>
+              <a:rPr lang="ko-KR" altLang="en-US" dirty="0"/>
+              <a:t>그래서 제가 자산들의</a:t>
+            </a:r>
+            <a:r>
+              <a:rPr lang="en-US" altLang="ko-KR" dirty="0"/>
+              <a:t> </a:t>
+            </a:r>
+            <a:r>
+              <a:rPr lang="ko-KR" altLang="en-US" dirty="0"/>
+              <a:t>기본적인 분석을 통해서 변동성에 대한 감을 잡을 수 있도록</a:t>
+            </a:r>
+            <a:endParaRPr lang="en-US" altLang="ko-KR" dirty="0"/>
+          </a:p>
+          <a:p>
+            <a:r>
+              <a:rPr lang="ko-KR" altLang="en-US" dirty="0"/>
+              <a:t>첫번째 프로그램을 만들어 뒀습니다</a:t>
             </a:r>
             <a:r>
               <a:rPr lang="en-US" altLang="ko-KR" dirty="0"/>
@@ -2497,61 +2605,12 @@
           <a:p>
             <a:r>
               <a:rPr lang="ko-KR" altLang="en-US" dirty="0"/>
-              <a:t>여기 경기 침체 기간 전후로 주가가 </a:t>
-            </a:r>
-            <a:r>
-              <a:rPr lang="ko-KR" altLang="en-US" dirty="0" err="1"/>
-              <a:t>출렁출렁하는게</a:t>
-            </a:r>
-            <a:r>
-              <a:rPr lang="ko-KR" altLang="en-US" dirty="0"/>
-              <a:t> 보이니까요</a:t>
+              <a:t>조금 있다가 같이 돌려보시고 일단 먼저 장표로 보시죠</a:t>
             </a:r>
             <a:r>
               <a:rPr lang="en-US" altLang="ko-KR" dirty="0"/>
               <a:t>.</a:t>
             </a:r>
-          </a:p>
-          <a:p>
-            <a:r>
-              <a:rPr lang="ko-KR" altLang="en-US" dirty="0"/>
-              <a:t>근데 이걸 본다고 해서 </a:t>
-            </a:r>
-            <a:r>
-              <a:rPr lang="en-US" altLang="ko-KR" dirty="0"/>
-              <a:t>QQQ</a:t>
-            </a:r>
-            <a:r>
-              <a:rPr lang="ko-KR" altLang="en-US" dirty="0"/>
-              <a:t>를 투자하면서</a:t>
-            </a:r>
-            <a:endParaRPr lang="en-US" altLang="ko-KR" dirty="0"/>
-          </a:p>
-          <a:p>
-            <a:r>
-              <a:rPr lang="ko-KR" altLang="en-US" dirty="0"/>
-              <a:t>도대체 얼마의 변동성을 감내해야 하는지는</a:t>
-            </a:r>
-            <a:endParaRPr lang="en-US" altLang="ko-KR" dirty="0"/>
-          </a:p>
-          <a:p>
-            <a:r>
-              <a:rPr lang="ko-KR" altLang="en-US" dirty="0"/>
-              <a:t>잘 모르겠다</a:t>
-            </a:r>
-            <a:r>
-              <a:rPr lang="en-US" altLang="ko-KR" dirty="0"/>
-              <a:t>. </a:t>
-            </a:r>
-            <a:r>
-              <a:rPr lang="ko-KR" altLang="en-US" dirty="0" err="1"/>
-              <a:t>그쵸</a:t>
-            </a:r>
-            <a:r>
-              <a:rPr lang="en-US" altLang="ko-KR" dirty="0"/>
-              <a:t>.</a:t>
-            </a:r>
-            <a:endParaRPr lang="ko-KR" altLang="en-US" dirty="0"/>
           </a:p>
         </p:txBody>
       </p:sp>
@@ -2572,7 +2631,7 @@
           <a:p>
             <a:fld id="{AF377DAE-6E9C-4F87-A8EC-C6E75F6BD3E4}" type="slidenum">
               <a:rPr lang="ko-KR" altLang="en-US" smtClean="0"/>
-              <a:t>20</a:t>
+              <a:t>19</a:t>
             </a:fld>
             <a:endParaRPr lang="ko-KR" altLang="en-US"/>
           </a:p>
@@ -2581,7 +2640,7 @@
     </p:spTree>
     <p:extLst>
       <p:ext uri="{BB962C8B-B14F-4D97-AF65-F5344CB8AC3E}">
-        <p14:creationId xmlns:p14="http://schemas.microsoft.com/office/powerpoint/2010/main" val="3838161193"/>
+        <p14:creationId xmlns:p14="http://schemas.microsoft.com/office/powerpoint/2010/main" val="2008329760"/>
       </p:ext>
     </p:extLst>
   </p:cSld>
@@ -2924,80 +2983,111 @@
           <a:p>
             <a:r>
               <a:rPr lang="ko-KR" altLang="en-US" dirty="0"/>
-              <a:t>그래서 금융 통계 분야에서 자주 활용하는 방법이</a:t>
+              <a:t>이게 </a:t>
+            </a:r>
+            <a:r>
+              <a:rPr lang="en-US" altLang="ko-KR" dirty="0"/>
+              <a:t>QQQ </a:t>
+            </a:r>
+            <a:r>
+              <a:rPr lang="ko-KR" altLang="en-US" dirty="0"/>
+              <a:t>누적 수익률인데요</a:t>
+            </a:r>
+            <a:r>
+              <a:rPr lang="en-US" altLang="ko-KR" dirty="0"/>
+              <a:t>.</a:t>
+            </a:r>
+          </a:p>
+          <a:p>
+            <a:r>
+              <a:rPr lang="ko-KR" altLang="en-US" dirty="0"/>
+              <a:t>많이 보셨을 </a:t>
+            </a:r>
+            <a:r>
+              <a:rPr lang="ko-KR" altLang="en-US" dirty="0" err="1"/>
+              <a:t>그래프죠</a:t>
+            </a:r>
+            <a:r>
+              <a:rPr lang="en-US" altLang="ko-KR" dirty="0"/>
+              <a:t>.</a:t>
+            </a:r>
+          </a:p>
+          <a:p>
+            <a:r>
+              <a:rPr lang="ko-KR" altLang="en-US" dirty="0"/>
+              <a:t>이 그래프로 봐도 약간 변동성이 </a:t>
+            </a:r>
+            <a:r>
+              <a:rPr lang="ko-KR" altLang="en-US" dirty="0" err="1"/>
+              <a:t>뭔지는</a:t>
+            </a:r>
+            <a:r>
+              <a:rPr lang="ko-KR" altLang="en-US" dirty="0"/>
+              <a:t> 조금 감은 오죠</a:t>
+            </a:r>
+            <a:r>
+              <a:rPr lang="en-US" altLang="ko-KR" dirty="0"/>
+              <a:t>.</a:t>
+            </a:r>
+          </a:p>
+          <a:p>
+            <a:r>
+              <a:rPr lang="ko-KR" altLang="en-US" dirty="0"/>
+              <a:t>여기 경기 침체 기간 전후로 주가가 </a:t>
+            </a:r>
+            <a:r>
+              <a:rPr lang="ko-KR" altLang="en-US" dirty="0" err="1"/>
+              <a:t>출렁출렁하는게</a:t>
+            </a:r>
+            <a:r>
+              <a:rPr lang="ko-KR" altLang="en-US" dirty="0"/>
+              <a:t> 보이니까요</a:t>
+            </a:r>
+            <a:r>
+              <a:rPr lang="en-US" altLang="ko-KR" dirty="0"/>
+              <a:t>.</a:t>
+            </a:r>
+          </a:p>
+          <a:p>
+            <a:r>
+              <a:rPr lang="ko-KR" altLang="en-US" dirty="0"/>
+              <a:t>근데 이걸 본다고 해서 </a:t>
+            </a:r>
+            <a:r>
+              <a:rPr lang="en-US" altLang="ko-KR" dirty="0"/>
+              <a:t>QQQ</a:t>
+            </a:r>
+            <a:r>
+              <a:rPr lang="ko-KR" altLang="en-US" dirty="0"/>
+              <a:t>를 투자하면서</a:t>
             </a:r>
             <a:endParaRPr lang="en-US" altLang="ko-KR" dirty="0"/>
           </a:p>
           <a:p>
             <a:r>
               <a:rPr lang="ko-KR" altLang="en-US" dirty="0"/>
-              <a:t>하루하루 수익률의 변동성을 이렇게 분포표로 표현하는 건데</a:t>
+              <a:t>도대체 얼마의 변동성을 감내해야 하는지는</a:t>
             </a:r>
             <a:endParaRPr lang="en-US" altLang="ko-KR" dirty="0"/>
           </a:p>
           <a:p>
             <a:r>
               <a:rPr lang="ko-KR" altLang="en-US" dirty="0"/>
-              <a:t>이 분포표를 보면 하루에 </a:t>
-            </a:r>
-            <a:r>
-              <a:rPr lang="en-US" altLang="ko-KR" dirty="0"/>
-              <a:t>-2.17% </a:t>
-            </a:r>
-            <a:r>
-              <a:rPr lang="ko-KR" altLang="en-US" dirty="0"/>
-              <a:t>하락 정도를 감당하면 되는 건가</a:t>
-            </a:r>
-            <a:r>
-              <a:rPr lang="en-US" altLang="ko-KR" dirty="0"/>
-              <a:t>?</a:t>
-            </a:r>
-          </a:p>
-          <a:p>
-            <a:r>
-              <a:rPr lang="ko-KR" altLang="en-US" dirty="0"/>
-              <a:t>이렇게 생각하게 되죠</a:t>
+              <a:t>잘 모르겠다</a:t>
+            </a:r>
+            <a:r>
+              <a:rPr lang="en-US" altLang="ko-KR" dirty="0"/>
+              <a:t>. </a:t>
+            </a:r>
+            <a:r>
+              <a:rPr lang="ko-KR" altLang="en-US" dirty="0" err="1"/>
+              <a:t>그쵸</a:t>
             </a:r>
             <a:r>
               <a:rPr lang="en-US" altLang="ko-KR" dirty="0"/>
               <a:t>.</a:t>
             </a:r>
-          </a:p>
-          <a:p>
-            <a:r>
-              <a:rPr lang="ko-KR" altLang="en-US" dirty="0"/>
-              <a:t>실제로 전문투자자나 기관에서는 이렇게 변동성을 측정해서</a:t>
-            </a:r>
-            <a:endParaRPr lang="en-US" altLang="ko-KR" dirty="0"/>
-          </a:p>
-          <a:p>
-            <a:r>
-              <a:rPr lang="ko-KR" altLang="en-US" dirty="0"/>
-              <a:t>리스크 관리를 하기도 하는데요</a:t>
-            </a:r>
-            <a:r>
-              <a:rPr lang="en-US" altLang="ko-KR" dirty="0"/>
-              <a:t>.</a:t>
-            </a:r>
-          </a:p>
-          <a:p>
-            <a:endParaRPr lang="en-US" altLang="ko-KR" dirty="0"/>
-          </a:p>
-          <a:p>
-            <a:r>
-              <a:rPr lang="ko-KR" altLang="en-US" dirty="0"/>
-              <a:t>저희 같은 개인 투자자한테는 크게 와닿지는 않죠</a:t>
-            </a:r>
-            <a:r>
-              <a:rPr lang="en-US" altLang="ko-KR" dirty="0"/>
-              <a:t>.</a:t>
-            </a:r>
-          </a:p>
-          <a:p>
-            <a:r>
-              <a:rPr lang="ko-KR" altLang="en-US" dirty="0"/>
-              <a:t>이것보다는 오히려</a:t>
-            </a:r>
+            <a:endParaRPr lang="ko-KR" altLang="en-US" dirty="0"/>
           </a:p>
         </p:txBody>
       </p:sp>
@@ -3018,7 +3108,7 @@
           <a:p>
             <a:fld id="{AF377DAE-6E9C-4F87-A8EC-C6E75F6BD3E4}" type="slidenum">
               <a:rPr lang="ko-KR" altLang="en-US" smtClean="0"/>
-              <a:t>21</a:t>
+              <a:t>20</a:t>
             </a:fld>
             <a:endParaRPr lang="ko-KR" altLang="en-US"/>
           </a:p>
@@ -3027,7 +3117,7 @@
     </p:spTree>
     <p:extLst>
       <p:ext uri="{BB962C8B-B14F-4D97-AF65-F5344CB8AC3E}">
-        <p14:creationId xmlns:p14="http://schemas.microsoft.com/office/powerpoint/2010/main" val="3231610190"/>
+        <p14:creationId xmlns:p14="http://schemas.microsoft.com/office/powerpoint/2010/main" val="3838161193"/>
       </p:ext>
     </p:extLst>
   </p:cSld>
@@ -3083,25 +3173,39 @@
           <a:p>
             <a:r>
               <a:rPr lang="ko-KR" altLang="en-US" dirty="0"/>
-              <a:t>이렇게 경기침체가 왔을 때</a:t>
+              <a:t>그래서 금융 통계 분야에서 자주 활용하는 방법이</a:t>
             </a:r>
             <a:endParaRPr lang="en-US" altLang="ko-KR" dirty="0"/>
           </a:p>
           <a:p>
             <a:r>
               <a:rPr lang="ko-KR" altLang="en-US" dirty="0"/>
-              <a:t>최대로 많이 떨어지는 게 어느 </a:t>
-            </a:r>
-            <a:r>
-              <a:rPr lang="ko-KR" altLang="en-US" dirty="0" err="1"/>
-              <a:t>정도냐</a:t>
+              <a:t>하루하루 수익률의 변동성을 이렇게 분포표로 표현하는 건데</a:t>
             </a:r>
             <a:endParaRPr lang="en-US" altLang="ko-KR" dirty="0"/>
           </a:p>
           <a:p>
             <a:r>
               <a:rPr lang="ko-KR" altLang="en-US" dirty="0"/>
-              <a:t>이런 지표가 훨씬 더 잘 와닿고요</a:t>
+              <a:t>이 분포표를 보면 하루에 </a:t>
+            </a:r>
+            <a:r>
+              <a:rPr lang="en-US" altLang="ko-KR" dirty="0"/>
+              <a:t>-2.17% </a:t>
+            </a:r>
+            <a:r>
+              <a:rPr lang="ko-KR" altLang="en-US" dirty="0"/>
+              <a:t>하락 정도를 감당하면 되는 건가</a:t>
+            </a:r>
+            <a:r>
+              <a:rPr lang="en-US" altLang="ko-KR" dirty="0"/>
+              <a:t>?</a:t>
+            </a:r>
+          </a:p>
+          <a:p>
+            <a:r>
+              <a:rPr lang="ko-KR" altLang="en-US" dirty="0"/>
+              <a:t>이렇게 생각하게 되죠</a:t>
             </a:r>
             <a:r>
               <a:rPr lang="en-US" altLang="ko-KR" dirty="0"/>
@@ -3110,26 +3214,39 @@
           </a:p>
           <a:p>
             <a:r>
-              <a:rPr lang="en-US" altLang="ko-KR" dirty="0"/>
-              <a:t>QQQ</a:t>
-            </a:r>
-            <a:r>
-              <a:rPr lang="ko-KR" altLang="en-US" dirty="0"/>
-              <a:t>는 유명하죠</a:t>
-            </a:r>
-            <a:r>
-              <a:rPr lang="en-US" altLang="ko-KR" dirty="0"/>
-              <a:t>. </a:t>
-            </a:r>
-            <a:r>
-              <a:rPr lang="ko-KR" altLang="en-US" dirty="0"/>
-              <a:t>닷컴 버블에 </a:t>
-            </a:r>
-            <a:r>
-              <a:rPr lang="en-US" altLang="ko-KR" dirty="0"/>
-              <a:t>MDD -80%</a:t>
-            </a:r>
-            <a:endParaRPr lang="ko-KR" altLang="en-US" dirty="0"/>
+              <a:rPr lang="ko-KR" altLang="en-US" dirty="0"/>
+              <a:t>실제로 전문투자자나 기관에서는 이렇게 변동성을 측정해서</a:t>
+            </a:r>
+            <a:endParaRPr lang="en-US" altLang="ko-KR" dirty="0"/>
+          </a:p>
+          <a:p>
+            <a:r>
+              <a:rPr lang="ko-KR" altLang="en-US" dirty="0"/>
+              <a:t>리스크 관리를 하기도 하는데요</a:t>
+            </a:r>
+            <a:r>
+              <a:rPr lang="en-US" altLang="ko-KR" dirty="0"/>
+              <a:t>.</a:t>
+            </a:r>
+          </a:p>
+          <a:p>
+            <a:endParaRPr lang="en-US" altLang="ko-KR" dirty="0"/>
+          </a:p>
+          <a:p>
+            <a:r>
+              <a:rPr lang="ko-KR" altLang="en-US" dirty="0"/>
+              <a:t>저희 같은 개인 투자자한테는 크게 와닿지는 않죠</a:t>
+            </a:r>
+            <a:r>
+              <a:rPr lang="en-US" altLang="ko-KR" dirty="0"/>
+              <a:t>.</a:t>
+            </a:r>
+          </a:p>
+          <a:p>
+            <a:r>
+              <a:rPr lang="ko-KR" altLang="en-US" dirty="0"/>
+              <a:t>이것보다는 오히려</a:t>
+            </a:r>
           </a:p>
         </p:txBody>
       </p:sp>
@@ -3150,7 +3267,7 @@
           <a:p>
             <a:fld id="{AF377DAE-6E9C-4F87-A8EC-C6E75F6BD3E4}" type="slidenum">
               <a:rPr lang="ko-KR" altLang="en-US" smtClean="0"/>
-              <a:t>22</a:t>
+              <a:t>21</a:t>
             </a:fld>
             <a:endParaRPr lang="ko-KR" altLang="en-US"/>
           </a:p>
@@ -3159,7 +3276,7 @@
     </p:spTree>
     <p:extLst>
       <p:ext uri="{BB962C8B-B14F-4D97-AF65-F5344CB8AC3E}">
-        <p14:creationId xmlns:p14="http://schemas.microsoft.com/office/powerpoint/2010/main" val="2109581950"/>
+        <p14:creationId xmlns:p14="http://schemas.microsoft.com/office/powerpoint/2010/main" val="3231610190"/>
       </p:ext>
     </p:extLst>
   </p:cSld>
@@ -3213,58 +3330,27 @@
           <a:bodyPr/>
           <a:lstStyle/>
           <a:p>
-            <a:pPr marL="0" marR="0" lvl="0" indent="0" algn="l" defTabSz="914400" rtl="0" eaLnBrk="1" fontAlgn="auto" latinLnBrk="1" hangingPunct="1">
-              <a:lnSpc>
-                <a:spcPct val="100000"/>
-              </a:lnSpc>
-              <a:spcBef>
-                <a:spcPts val="0"/>
-              </a:spcBef>
-              <a:spcAft>
-                <a:spcPts val="0"/>
-              </a:spcAft>
-              <a:buClrTx/>
-              <a:buSzTx/>
-              <a:buFontTx/>
-              <a:buNone/>
-              <a:tabLst/>
-              <a:defRPr/>
-            </a:pPr>
-            <a:r>
-              <a:rPr lang="en-US" altLang="ko-KR" dirty="0"/>
-              <a:t>MDD </a:t>
-            </a:r>
-            <a:r>
-              <a:rPr lang="ko-KR" altLang="en-US" dirty="0"/>
-              <a:t>못지않게 전고점을 회복하는데 얼마나 </a:t>
+            <a:r>
+              <a:rPr lang="ko-KR" altLang="en-US" dirty="0"/>
+              <a:t>이렇게 경기침체가 왔을 때</a:t>
+            </a:r>
+            <a:endParaRPr lang="en-US" altLang="ko-KR" dirty="0"/>
+          </a:p>
+          <a:p>
+            <a:r>
+              <a:rPr lang="ko-KR" altLang="en-US" dirty="0"/>
+              <a:t>최대로 많이 떨어지는 게 어느 </a:t>
             </a:r>
             <a:r>
               <a:rPr lang="ko-KR" altLang="en-US" dirty="0" err="1"/>
-              <a:t>걸렸느냐도</a:t>
+              <a:t>정도냐</a:t>
             </a:r>
             <a:endParaRPr lang="en-US" altLang="ko-KR" dirty="0"/>
           </a:p>
           <a:p>
-            <a:pPr marL="0" marR="0" lvl="0" indent="0" algn="l" defTabSz="914400" rtl="0" eaLnBrk="1" fontAlgn="auto" latinLnBrk="1" hangingPunct="1">
-              <a:lnSpc>
-                <a:spcPct val="100000"/>
-              </a:lnSpc>
-              <a:spcBef>
-                <a:spcPts val="0"/>
-              </a:spcBef>
-              <a:spcAft>
-                <a:spcPts val="0"/>
-              </a:spcAft>
-              <a:buClrTx/>
-              <a:buSzTx/>
-              <a:buFontTx/>
-              <a:buNone/>
-              <a:tabLst/>
-              <a:defRPr/>
-            </a:pPr>
-            <a:r>
-              <a:rPr lang="ko-KR" altLang="en-US" dirty="0"/>
-              <a:t>실제 개인 투자자 입장에서는 꽤나 중요한 지표고요</a:t>
+            <a:r>
+              <a:rPr lang="ko-KR" altLang="en-US" dirty="0"/>
+              <a:t>이런 지표가 훨씬 더 잘 와닿고요</a:t>
             </a:r>
             <a:r>
               <a:rPr lang="en-US" altLang="ko-KR" dirty="0"/>
@@ -3272,54 +3358,25 @@
             </a:r>
           </a:p>
           <a:p>
-            <a:pPr marL="0" marR="0" lvl="0" indent="0" algn="l" defTabSz="914400" rtl="0" eaLnBrk="1" fontAlgn="auto" latinLnBrk="1" hangingPunct="1">
-              <a:lnSpc>
-                <a:spcPct val="100000"/>
-              </a:lnSpc>
-              <a:spcBef>
-                <a:spcPts val="0"/>
-              </a:spcBef>
-              <a:spcAft>
-                <a:spcPts val="0"/>
-              </a:spcAft>
-              <a:buClrTx/>
-              <a:buSzTx/>
-              <a:buFontTx/>
-              <a:buNone/>
-              <a:tabLst/>
-              <a:defRPr/>
-            </a:pPr>
-            <a:endParaRPr lang="en-US" altLang="ko-KR" dirty="0"/>
-          </a:p>
-          <a:p>
-            <a:pPr marL="0" marR="0" lvl="0" indent="0" algn="l" defTabSz="914400" rtl="0" eaLnBrk="1" fontAlgn="auto" latinLnBrk="1" hangingPunct="1">
-              <a:lnSpc>
-                <a:spcPct val="100000"/>
-              </a:lnSpc>
-              <a:spcBef>
-                <a:spcPts val="0"/>
-              </a:spcBef>
-              <a:spcAft>
-                <a:spcPts val="0"/>
-              </a:spcAft>
-              <a:buClrTx/>
-              <a:buSzTx/>
-              <a:buFontTx/>
-              <a:buNone/>
-              <a:tabLst/>
-              <a:defRPr/>
-            </a:pPr>
-            <a:r>
-              <a:rPr lang="en-US" altLang="ko-KR" dirty="0"/>
-              <a:t>15</a:t>
-            </a:r>
-            <a:r>
-              <a:rPr lang="ko-KR" altLang="en-US" dirty="0"/>
-              <a:t>년을 물렸다 이건 보통일이 아니잖아요</a:t>
-            </a:r>
-            <a:r>
-              <a:rPr lang="en-US" altLang="ko-KR" dirty="0"/>
-              <a:t>.</a:t>
+            <a:r>
+              <a:rPr lang="en-US" altLang="ko-KR" dirty="0"/>
+              <a:t>QQQ</a:t>
+            </a:r>
+            <a:r>
+              <a:rPr lang="ko-KR" altLang="en-US" dirty="0"/>
+              <a:t>는 유명하죠</a:t>
+            </a:r>
+            <a:r>
+              <a:rPr lang="en-US" altLang="ko-KR" dirty="0"/>
+              <a:t>. </a:t>
+            </a:r>
+            <a:r>
+              <a:rPr lang="ko-KR" altLang="en-US" dirty="0"/>
+              <a:t>닷컴 버블에 </a:t>
+            </a:r>
+            <a:r>
+              <a:rPr lang="en-US" altLang="ko-KR" dirty="0"/>
+              <a:t>MDD -80%</a:t>
             </a:r>
             <a:endParaRPr lang="ko-KR" altLang="en-US" dirty="0"/>
           </a:p>
@@ -3342,7 +3399,7 @@
           <a:p>
             <a:fld id="{AF377DAE-6E9C-4F87-A8EC-C6E75F6BD3E4}" type="slidenum">
               <a:rPr lang="ko-KR" altLang="en-US" smtClean="0"/>
-              <a:t>23</a:t>
+              <a:t>22</a:t>
             </a:fld>
             <a:endParaRPr lang="ko-KR" altLang="en-US"/>
           </a:p>
@@ -3351,7 +3408,7 @@
     </p:spTree>
     <p:extLst>
       <p:ext uri="{BB962C8B-B14F-4D97-AF65-F5344CB8AC3E}">
-        <p14:creationId xmlns:p14="http://schemas.microsoft.com/office/powerpoint/2010/main" val="503408480"/>
+        <p14:creationId xmlns:p14="http://schemas.microsoft.com/office/powerpoint/2010/main" val="2109581950"/>
       </p:ext>
     </p:extLst>
   </p:cSld>
@@ -3405,135 +3462,115 @@
           <a:bodyPr/>
           <a:lstStyle/>
           <a:p>
-            <a:r>
-              <a:rPr lang="ko-KR" altLang="en-US" dirty="0"/>
-              <a:t>그리고 같이 보면 좋은 방법이</a:t>
+            <a:pPr marL="0" marR="0" lvl="0" indent="0" algn="l" defTabSz="914400" rtl="0" eaLnBrk="1" fontAlgn="auto" latinLnBrk="1" hangingPunct="1">
+              <a:lnSpc>
+                <a:spcPct val="100000"/>
+              </a:lnSpc>
+              <a:spcBef>
+                <a:spcPts val="0"/>
+              </a:spcBef>
+              <a:spcAft>
+                <a:spcPts val="0"/>
+              </a:spcAft>
+              <a:buClrTx/>
+              <a:buSzTx/>
+              <a:buFontTx/>
+              <a:buNone/>
+              <a:tabLst/>
+              <a:defRPr/>
+            </a:pPr>
+            <a:r>
+              <a:rPr lang="en-US" altLang="ko-KR" dirty="0"/>
+              <a:t>MDD </a:t>
+            </a:r>
+            <a:r>
+              <a:rPr lang="ko-KR" altLang="en-US" dirty="0"/>
+              <a:t>못지않게 전고점을 회복하는데 얼마나 </a:t>
+            </a:r>
+            <a:r>
+              <a:rPr lang="ko-KR" altLang="en-US" dirty="0" err="1"/>
+              <a:t>걸렸느냐도</a:t>
             </a:r>
             <a:endParaRPr lang="en-US" altLang="ko-KR" dirty="0"/>
           </a:p>
           <a:p>
-            <a:r>
-              <a:rPr lang="ko-KR" altLang="en-US" dirty="0"/>
-              <a:t>저는 이렇게 보는 게 가장 현실적으로 도움이 된다고 생각하는데</a:t>
-            </a:r>
+            <a:pPr marL="0" marR="0" lvl="0" indent="0" algn="l" defTabSz="914400" rtl="0" eaLnBrk="1" fontAlgn="auto" latinLnBrk="1" hangingPunct="1">
+              <a:lnSpc>
+                <a:spcPct val="100000"/>
+              </a:lnSpc>
+              <a:spcBef>
+                <a:spcPts val="0"/>
+              </a:spcBef>
+              <a:spcAft>
+                <a:spcPts val="0"/>
+              </a:spcAft>
+              <a:buClrTx/>
+              <a:buSzTx/>
+              <a:buFontTx/>
+              <a:buNone/>
+              <a:tabLst/>
+              <a:defRPr/>
+            </a:pPr>
+            <a:r>
+              <a:rPr lang="ko-KR" altLang="en-US" dirty="0"/>
+              <a:t>실제 개인 투자자 입장에서는 꽤나 중요한 지표고요</a:t>
+            </a:r>
+            <a:r>
+              <a:rPr lang="en-US" altLang="ko-KR" dirty="0"/>
+              <a:t>.</a:t>
+            </a:r>
+          </a:p>
+          <a:p>
+            <a:pPr marL="0" marR="0" lvl="0" indent="0" algn="l" defTabSz="914400" rtl="0" eaLnBrk="1" fontAlgn="auto" latinLnBrk="1" hangingPunct="1">
+              <a:lnSpc>
+                <a:spcPct val="100000"/>
+              </a:lnSpc>
+              <a:spcBef>
+                <a:spcPts val="0"/>
+              </a:spcBef>
+              <a:spcAft>
+                <a:spcPts val="0"/>
+              </a:spcAft>
+              <a:buClrTx/>
+              <a:buSzTx/>
+              <a:buFontTx/>
+              <a:buNone/>
+              <a:tabLst/>
+              <a:defRPr/>
+            </a:pPr>
             <a:endParaRPr lang="en-US" altLang="ko-KR" dirty="0"/>
           </a:p>
           <a:p>
-            <a:r>
-              <a:rPr lang="en-US" altLang="ko-KR" dirty="0"/>
-              <a:t>5</a:t>
-            </a:r>
-            <a:r>
-              <a:rPr lang="ko-KR" altLang="en-US" dirty="0"/>
-              <a:t>년 단위로 끊어서 백테스트를 한 결과를 모은 거고요</a:t>
+            <a:pPr marL="0" marR="0" lvl="0" indent="0" algn="l" defTabSz="914400" rtl="0" eaLnBrk="1" fontAlgn="auto" latinLnBrk="1" hangingPunct="1">
+              <a:lnSpc>
+                <a:spcPct val="100000"/>
+              </a:lnSpc>
+              <a:spcBef>
+                <a:spcPts val="0"/>
+              </a:spcBef>
+              <a:spcAft>
+                <a:spcPts val="0"/>
+              </a:spcAft>
+              <a:buClrTx/>
+              <a:buSzTx/>
+              <a:buFontTx/>
+              <a:buNone/>
+              <a:tabLst/>
+              <a:defRPr/>
+            </a:pPr>
+            <a:r>
+              <a:rPr lang="en-US" altLang="ko-KR" dirty="0"/>
+              <a:t>15</a:t>
+            </a:r>
+            <a:r>
+              <a:rPr lang="ko-KR" altLang="en-US" dirty="0"/>
+              <a:t>년을 물렸다 이건 보통일이 아니잖아요</a:t>
             </a:r>
             <a:r>
               <a:rPr lang="en-US" altLang="ko-KR" dirty="0"/>
               <a:t>.</a:t>
             </a:r>
-          </a:p>
-          <a:p>
-            <a:r>
-              <a:rPr lang="ko-KR" altLang="en-US" dirty="0" err="1"/>
-              <a:t>롤링리턴이라고</a:t>
-            </a:r>
-            <a:r>
-              <a:rPr lang="ko-KR" altLang="en-US" dirty="0"/>
-              <a:t> 부르죠</a:t>
-            </a:r>
-            <a:r>
-              <a:rPr lang="en-US" altLang="ko-KR" dirty="0"/>
-              <a:t>.</a:t>
-            </a:r>
-          </a:p>
-          <a:p>
-            <a:r>
-              <a:rPr lang="ko-KR" altLang="en-US" dirty="0"/>
-              <a:t>실제로 투자했을 때 내가 만나게 될 투자 성과가 얼마나 </a:t>
-            </a:r>
-            <a:r>
-              <a:rPr lang="ko-KR" altLang="en-US" dirty="0" err="1"/>
-              <a:t>퍼져있는가</a:t>
-            </a:r>
-            <a:r>
-              <a:rPr lang="ko-KR" altLang="en-US" dirty="0"/>
-              <a:t> </a:t>
-            </a:r>
-            <a:r>
-              <a:rPr lang="ko-KR" altLang="en-US" dirty="0" err="1"/>
-              <a:t>하는거니까</a:t>
-            </a:r>
-            <a:endParaRPr lang="en-US" altLang="ko-KR" dirty="0"/>
-          </a:p>
-          <a:p>
-            <a:r>
-              <a:rPr lang="en-US" altLang="ko-KR" dirty="0"/>
-              <a:t>QQQ</a:t>
-            </a:r>
-            <a:r>
-              <a:rPr lang="ko-KR" altLang="en-US" dirty="0"/>
-              <a:t>에 투자했을 때 </a:t>
-            </a:r>
-            <a:r>
-              <a:rPr lang="ko-KR" altLang="en-US" dirty="0" err="1"/>
-              <a:t>운좋으면</a:t>
-            </a:r>
-            <a:r>
-              <a:rPr lang="ko-KR" altLang="en-US" dirty="0"/>
-              <a:t> </a:t>
-            </a:r>
-            <a:r>
-              <a:rPr lang="en-US" altLang="ko-KR" dirty="0"/>
-              <a:t>5</a:t>
-            </a:r>
-            <a:r>
-              <a:rPr lang="ko-KR" altLang="en-US" dirty="0" err="1"/>
-              <a:t>년동안</a:t>
-            </a:r>
-            <a:r>
-              <a:rPr lang="ko-KR" altLang="en-US" dirty="0"/>
-              <a:t> 매년 </a:t>
-            </a:r>
-            <a:r>
-              <a:rPr lang="en-US" altLang="ko-KR" dirty="0"/>
-              <a:t>40% </a:t>
-            </a:r>
-            <a:r>
-              <a:rPr lang="ko-KR" altLang="en-US" dirty="0"/>
-              <a:t>넘는 수익률을 올릴 수도 있지만</a:t>
-            </a:r>
-            <a:endParaRPr lang="en-US" altLang="ko-KR" dirty="0"/>
-          </a:p>
-          <a:p>
-            <a:r>
-              <a:rPr lang="ko-KR" altLang="en-US" dirty="0"/>
-              <a:t>자칫하면 </a:t>
-            </a:r>
-            <a:r>
-              <a:rPr lang="en-US" altLang="ko-KR" dirty="0"/>
-              <a:t>-20%</a:t>
-            </a:r>
-            <a:r>
-              <a:rPr lang="ko-KR" altLang="en-US" dirty="0"/>
-              <a:t>를 매년 맞는 것과 같은 꼴이 날수도 있다</a:t>
-            </a:r>
-            <a:r>
-              <a:rPr lang="en-US" altLang="ko-KR" dirty="0"/>
-              <a:t>.</a:t>
-            </a:r>
-          </a:p>
-          <a:p>
-            <a:endParaRPr lang="en-US" altLang="ko-KR" dirty="0"/>
-          </a:p>
-          <a:p>
-            <a:r>
-              <a:rPr lang="ko-KR" altLang="en-US" dirty="0"/>
-              <a:t>이런 걸 확인할 수 있습니다</a:t>
-            </a:r>
-            <a:r>
-              <a:rPr lang="en-US" altLang="ko-KR" dirty="0"/>
-              <a:t>.</a:t>
-            </a:r>
+            <a:endParaRPr lang="ko-KR" altLang="en-US" dirty="0"/>
           </a:p>
         </p:txBody>
       </p:sp>
@@ -3554,7 +3591,7 @@
           <a:p>
             <a:fld id="{AF377DAE-6E9C-4F87-A8EC-C6E75F6BD3E4}" type="slidenum">
               <a:rPr lang="ko-KR" altLang="en-US" smtClean="0"/>
-              <a:t>24</a:t>
+              <a:t>23</a:t>
             </a:fld>
             <a:endParaRPr lang="ko-KR" altLang="en-US"/>
           </a:p>
@@ -3563,7 +3600,7 @@
     </p:spTree>
     <p:extLst>
       <p:ext uri="{BB962C8B-B14F-4D97-AF65-F5344CB8AC3E}">
-        <p14:creationId xmlns:p14="http://schemas.microsoft.com/office/powerpoint/2010/main" val="3520991377"/>
+        <p14:creationId xmlns:p14="http://schemas.microsoft.com/office/powerpoint/2010/main" val="503408480"/>
       </p:ext>
     </p:extLst>
   </p:cSld>
@@ -3619,6 +3656,218 @@
           <a:p>
             <a:r>
               <a:rPr lang="ko-KR" altLang="en-US" dirty="0"/>
+              <a:t>그리고 같이 보면 좋은 방법이</a:t>
+            </a:r>
+            <a:endParaRPr lang="en-US" altLang="ko-KR" dirty="0"/>
+          </a:p>
+          <a:p>
+            <a:r>
+              <a:rPr lang="ko-KR" altLang="en-US" dirty="0"/>
+              <a:t>저는 이렇게 보는 게 가장 현실적으로 도움이 된다고 생각하는데</a:t>
+            </a:r>
+            <a:endParaRPr lang="en-US" altLang="ko-KR" dirty="0"/>
+          </a:p>
+          <a:p>
+            <a:r>
+              <a:rPr lang="en-US" altLang="ko-KR" dirty="0"/>
+              <a:t>5</a:t>
+            </a:r>
+            <a:r>
+              <a:rPr lang="ko-KR" altLang="en-US" dirty="0"/>
+              <a:t>년 단위로 끊어서 백테스트를 한 결과를 모은 거고요</a:t>
+            </a:r>
+            <a:r>
+              <a:rPr lang="en-US" altLang="ko-KR" dirty="0"/>
+              <a:t>.</a:t>
+            </a:r>
+          </a:p>
+          <a:p>
+            <a:r>
+              <a:rPr lang="ko-KR" altLang="en-US" dirty="0" err="1"/>
+              <a:t>롤링리턴이라고</a:t>
+            </a:r>
+            <a:r>
+              <a:rPr lang="ko-KR" altLang="en-US" dirty="0"/>
+              <a:t> 부르죠</a:t>
+            </a:r>
+            <a:r>
+              <a:rPr lang="en-US" altLang="ko-KR" dirty="0"/>
+              <a:t>.</a:t>
+            </a:r>
+          </a:p>
+          <a:p>
+            <a:r>
+              <a:rPr lang="ko-KR" altLang="en-US" dirty="0"/>
+              <a:t>실제로 투자했을 때 내가 만나게 될 투자 성과가 얼마나 </a:t>
+            </a:r>
+            <a:r>
+              <a:rPr lang="ko-KR" altLang="en-US" dirty="0" err="1"/>
+              <a:t>퍼져있는가</a:t>
+            </a:r>
+            <a:r>
+              <a:rPr lang="ko-KR" altLang="en-US" dirty="0"/>
+              <a:t> </a:t>
+            </a:r>
+            <a:r>
+              <a:rPr lang="ko-KR" altLang="en-US" dirty="0" err="1"/>
+              <a:t>하는거니까</a:t>
+            </a:r>
+            <a:endParaRPr lang="en-US" altLang="ko-KR" dirty="0"/>
+          </a:p>
+          <a:p>
+            <a:r>
+              <a:rPr lang="en-US" altLang="ko-KR" dirty="0"/>
+              <a:t>QQQ</a:t>
+            </a:r>
+            <a:r>
+              <a:rPr lang="ko-KR" altLang="en-US" dirty="0"/>
+              <a:t>에 투자했을 때 </a:t>
+            </a:r>
+            <a:r>
+              <a:rPr lang="ko-KR" altLang="en-US" dirty="0" err="1"/>
+              <a:t>운좋으면</a:t>
+            </a:r>
+            <a:r>
+              <a:rPr lang="ko-KR" altLang="en-US" dirty="0"/>
+              <a:t> </a:t>
+            </a:r>
+            <a:r>
+              <a:rPr lang="en-US" altLang="ko-KR" dirty="0"/>
+              <a:t>5</a:t>
+            </a:r>
+            <a:r>
+              <a:rPr lang="ko-KR" altLang="en-US" dirty="0" err="1"/>
+              <a:t>년동안</a:t>
+            </a:r>
+            <a:r>
+              <a:rPr lang="ko-KR" altLang="en-US" dirty="0"/>
+              <a:t> 매년 </a:t>
+            </a:r>
+            <a:r>
+              <a:rPr lang="en-US" altLang="ko-KR" dirty="0"/>
+              <a:t>40% </a:t>
+            </a:r>
+            <a:r>
+              <a:rPr lang="ko-KR" altLang="en-US" dirty="0"/>
+              <a:t>넘는 수익률을 올릴 수도 있지만</a:t>
+            </a:r>
+            <a:endParaRPr lang="en-US" altLang="ko-KR" dirty="0"/>
+          </a:p>
+          <a:p>
+            <a:r>
+              <a:rPr lang="ko-KR" altLang="en-US" dirty="0"/>
+              <a:t>자칫하면 </a:t>
+            </a:r>
+            <a:r>
+              <a:rPr lang="en-US" altLang="ko-KR" dirty="0"/>
+              <a:t>-20%</a:t>
+            </a:r>
+            <a:r>
+              <a:rPr lang="ko-KR" altLang="en-US" dirty="0"/>
+              <a:t>를 매년 맞는 것과 같은 꼴이 날수도 있다</a:t>
+            </a:r>
+            <a:r>
+              <a:rPr lang="en-US" altLang="ko-KR" dirty="0"/>
+              <a:t>.</a:t>
+            </a:r>
+          </a:p>
+          <a:p>
+            <a:endParaRPr lang="en-US" altLang="ko-KR" dirty="0"/>
+          </a:p>
+          <a:p>
+            <a:r>
+              <a:rPr lang="ko-KR" altLang="en-US" dirty="0"/>
+              <a:t>이런 걸 확인할 수 있습니다</a:t>
+            </a:r>
+            <a:r>
+              <a:rPr lang="en-US" altLang="ko-KR" dirty="0"/>
+              <a:t>.</a:t>
+            </a:r>
+          </a:p>
+        </p:txBody>
+      </p:sp>
+      <p:sp>
+        <p:nvSpPr>
+          <p:cNvPr id="4" name="슬라이드 번호 개체 틀 3"/>
+          <p:cNvSpPr>
+            <a:spLocks noGrp="1"/>
+          </p:cNvSpPr>
+          <p:nvPr>
+            <p:ph type="sldNum" sz="quarter" idx="5"/>
+          </p:nvPr>
+        </p:nvSpPr>
+        <p:spPr/>
+        <p:txBody>
+          <a:bodyPr/>
+          <a:lstStyle/>
+          <a:p>
+            <a:fld id="{AF377DAE-6E9C-4F87-A8EC-C6E75F6BD3E4}" type="slidenum">
+              <a:rPr lang="ko-KR" altLang="en-US" smtClean="0"/>
+              <a:t>24</a:t>
+            </a:fld>
+            <a:endParaRPr lang="ko-KR" altLang="en-US"/>
+          </a:p>
+        </p:txBody>
+      </p:sp>
+    </p:spTree>
+    <p:extLst>
+      <p:ext uri="{BB962C8B-B14F-4D97-AF65-F5344CB8AC3E}">
+        <p14:creationId xmlns:p14="http://schemas.microsoft.com/office/powerpoint/2010/main" val="3520991377"/>
+      </p:ext>
+    </p:extLst>
+  </p:cSld>
+  <p:clrMapOvr>
+    <a:masterClrMapping/>
+  </p:clrMapOvr>
+</p:notes>
+</file>
+
+<file path=ppt/notesSlides/notesSlide25.xml><?xml version="1.0" encoding="utf-8"?>
+<p:notes xmlns:a="http://schemas.openxmlformats.org/drawingml/2006/main" xmlns:r="http://schemas.openxmlformats.org/officeDocument/2006/relationships" xmlns:p="http://schemas.openxmlformats.org/presentationml/2006/main">
+  <p:cSld>
+    <p:spTree>
+      <p:nvGrpSpPr>
+        <p:cNvPr id="1" name=""/>
+        <p:cNvGrpSpPr/>
+        <p:nvPr/>
+      </p:nvGrpSpPr>
+      <p:grpSpPr>
+        <a:xfrm>
+          <a:off x="0" y="0"/>
+          <a:ext cx="0" cy="0"/>
+          <a:chOff x="0" y="0"/>
+          <a:chExt cx="0" cy="0"/>
+        </a:xfrm>
+      </p:grpSpPr>
+      <p:sp>
+        <p:nvSpPr>
+          <p:cNvPr id="2" name="슬라이드 이미지 개체 틀 1"/>
+          <p:cNvSpPr>
+            <a:spLocks noGrp="1" noRot="1" noChangeAspect="1"/>
+          </p:cNvSpPr>
+          <p:nvPr>
+            <p:ph type="sldImg"/>
+          </p:nvPr>
+        </p:nvSpPr>
+        <p:spPr/>
+      </p:sp>
+      <p:sp>
+        <p:nvSpPr>
+          <p:cNvPr id="3" name="슬라이드 노트 개체 틀 2"/>
+          <p:cNvSpPr>
+            <a:spLocks noGrp="1"/>
+          </p:cNvSpPr>
+          <p:nvPr>
+            <p:ph type="body" idx="1"/>
+          </p:nvPr>
+        </p:nvSpPr>
+        <p:spPr/>
+        <p:txBody>
+          <a:bodyPr/>
+          <a:lstStyle/>
+          <a:p>
+            <a:r>
+              <a:rPr lang="ko-KR" altLang="en-US" dirty="0"/>
               <a:t>자 장표로 보는 건 </a:t>
             </a:r>
             <a:r>
@@ -3678,7 +3927,7 @@
 </p:notes>
 </file>
 
-<file path=ppt/notesSlides/notesSlide25.xml><?xml version="1.0" encoding="utf-8"?>
+<file path=ppt/notesSlides/notesSlide26.xml><?xml version="1.0" encoding="utf-8"?>
 <p:notes xmlns:a="http://schemas.openxmlformats.org/drawingml/2006/main" xmlns:r="http://schemas.openxmlformats.org/officeDocument/2006/relationships" xmlns:p="http://schemas.openxmlformats.org/presentationml/2006/main">
   <p:cSld>
     <p:spTree>
@@ -5070,233 +5319,6 @@
             </a:r>
           </a:p>
           <a:p>
-            <a:endParaRPr lang="en-US" altLang="ko-KR" dirty="0"/>
-          </a:p>
-          <a:p>
-            <a:r>
-              <a:rPr lang="ko-KR" altLang="en-US" dirty="0"/>
-              <a:t>매가 </a:t>
-            </a:r>
-            <a:r>
-              <a:rPr lang="en-US" altLang="ko-KR" dirty="0"/>
-              <a:t>12</a:t>
-            </a:r>
-            <a:r>
-              <a:rPr lang="ko-KR" altLang="en-US" dirty="0"/>
-              <a:t>억이면 </a:t>
-            </a:r>
-            <a:r>
-              <a:rPr lang="en-US" altLang="ko-KR" dirty="0"/>
-              <a:t>5</a:t>
-            </a:r>
-            <a:r>
-              <a:rPr lang="ko-KR" altLang="en-US" dirty="0"/>
-              <a:t>억으로 </a:t>
-            </a:r>
-            <a:r>
-              <a:rPr lang="ko-KR" altLang="en-US" dirty="0" err="1"/>
-              <a:t>택도</a:t>
-            </a:r>
-            <a:r>
-              <a:rPr lang="ko-KR" altLang="en-US" dirty="0"/>
-              <a:t> 없다는 생각부터 들지만</a:t>
-            </a:r>
-          </a:p>
-          <a:p>
-            <a:r>
-              <a:rPr lang="ko-KR" altLang="en-US" dirty="0"/>
-              <a:t>사실 부동산은 레버리지 자산이죠</a:t>
-            </a:r>
-            <a:r>
-              <a:rPr lang="en-US" altLang="ko-KR" dirty="0"/>
-              <a:t>.</a:t>
-            </a:r>
-          </a:p>
-          <a:p>
-            <a:endParaRPr lang="en-US" altLang="ko-KR" dirty="0"/>
-          </a:p>
-          <a:p>
-            <a:r>
-              <a:rPr lang="ko-KR" altLang="en-US" dirty="0"/>
-              <a:t>만약 실거주를 목표로 한다면 직장생활을 계속한다는 가정하에</a:t>
-            </a:r>
-          </a:p>
-          <a:p>
-            <a:r>
-              <a:rPr lang="en-US" altLang="ko-KR" dirty="0"/>
-              <a:t>7</a:t>
-            </a:r>
-            <a:r>
-              <a:rPr lang="ko-KR" altLang="en-US" dirty="0"/>
-              <a:t>억 정도 대출을 받을 수 있을 거예요</a:t>
-            </a:r>
-            <a:r>
-              <a:rPr lang="en-US" altLang="ko-KR" dirty="0"/>
-              <a:t>.</a:t>
-            </a:r>
-          </a:p>
-          <a:p>
-            <a:r>
-              <a:rPr lang="ko-KR" altLang="en-US" dirty="0"/>
-              <a:t>그러면 투자금이 </a:t>
-            </a:r>
-            <a:r>
-              <a:rPr lang="en-US" altLang="ko-KR" dirty="0"/>
-              <a:t>5</a:t>
-            </a:r>
-            <a:r>
-              <a:rPr lang="ko-KR" altLang="en-US" dirty="0"/>
-              <a:t>억 정도 들고</a:t>
-            </a:r>
-          </a:p>
-          <a:p>
-            <a:endParaRPr lang="ko-KR" altLang="en-US" dirty="0"/>
-          </a:p>
-          <a:p>
-            <a:r>
-              <a:rPr lang="ko-KR" altLang="en-US" dirty="0" err="1"/>
-              <a:t>갭투자</a:t>
-            </a:r>
-            <a:r>
-              <a:rPr lang="ko-KR" altLang="en-US" dirty="0"/>
-              <a:t> 역시</a:t>
-            </a:r>
-          </a:p>
-          <a:p>
-            <a:r>
-              <a:rPr lang="ko-KR" altLang="en-US" dirty="0"/>
-              <a:t>투자금 </a:t>
-            </a:r>
-            <a:r>
-              <a:rPr lang="en-US" altLang="ko-KR" dirty="0"/>
-              <a:t>5</a:t>
-            </a:r>
-            <a:r>
-              <a:rPr lang="ko-KR" altLang="en-US" dirty="0"/>
-              <a:t>억이면 </a:t>
-            </a:r>
-            <a:r>
-              <a:rPr lang="en-US" altLang="ko-KR" dirty="0"/>
-              <a:t>12</a:t>
-            </a:r>
-            <a:r>
-              <a:rPr lang="ko-KR" altLang="en-US" dirty="0"/>
-              <a:t>매가인 서울 </a:t>
-            </a:r>
-            <a:r>
-              <a:rPr lang="en-US" altLang="ko-KR" dirty="0"/>
-              <a:t>25</a:t>
-            </a:r>
-            <a:r>
-              <a:rPr lang="ko-KR" altLang="en-US" dirty="0"/>
-              <a:t>평 아파트를 매수할 수 있죠</a:t>
-            </a:r>
-            <a:r>
-              <a:rPr lang="en-US" altLang="ko-KR" dirty="0"/>
-              <a:t>.</a:t>
-            </a:r>
-          </a:p>
-          <a:p>
-            <a:r>
-              <a:rPr lang="en-US" altLang="ko-KR" dirty="0"/>
-              <a:t>7</a:t>
-            </a:r>
-            <a:r>
-              <a:rPr lang="ko-KR" altLang="en-US" dirty="0"/>
-              <a:t>억 전세로 </a:t>
-            </a:r>
-            <a:r>
-              <a:rPr lang="ko-KR" altLang="en-US" dirty="0" err="1"/>
-              <a:t>주면요</a:t>
-            </a:r>
-            <a:r>
-              <a:rPr lang="en-US" altLang="ko-KR" dirty="0"/>
-              <a:t>.</a:t>
-            </a:r>
-          </a:p>
-          <a:p>
-            <a:endParaRPr lang="en-US" altLang="ko-KR" dirty="0"/>
-          </a:p>
-          <a:p>
-            <a:r>
-              <a:rPr lang="ko-KR" altLang="en-US" dirty="0"/>
-              <a:t>그러니까 제가 </a:t>
-            </a:r>
-            <a:r>
-              <a:rPr lang="en-US" altLang="ko-KR" dirty="0"/>
-              <a:t>5</a:t>
-            </a:r>
-            <a:r>
-              <a:rPr lang="ko-KR" altLang="en-US" dirty="0"/>
-              <a:t>억이라는 돈을 목표로 제시한 이유는</a:t>
-            </a:r>
-          </a:p>
-          <a:p>
-            <a:r>
-              <a:rPr lang="en-US" altLang="ko-KR" dirty="0"/>
-              <a:t>5</a:t>
-            </a:r>
-            <a:r>
-              <a:rPr lang="ko-KR" altLang="en-US" dirty="0"/>
-              <a:t>억이면 월 배당 </a:t>
-            </a:r>
-            <a:r>
-              <a:rPr lang="en-US" altLang="ko-KR" dirty="0"/>
-              <a:t>200</a:t>
-            </a:r>
-            <a:r>
-              <a:rPr lang="ko-KR" altLang="en-US" dirty="0"/>
-              <a:t>을 안정적으로 만들거나</a:t>
-            </a:r>
-            <a:r>
-              <a:rPr lang="en-US" altLang="ko-KR" dirty="0"/>
-              <a:t>,</a:t>
-            </a:r>
-          </a:p>
-          <a:p>
-            <a:r>
-              <a:rPr lang="ko-KR" altLang="en-US" dirty="0"/>
-              <a:t>서울 </a:t>
-            </a:r>
-            <a:r>
-              <a:rPr lang="ko-KR" altLang="en-US" dirty="0" err="1"/>
-              <a:t>내집</a:t>
-            </a:r>
-            <a:r>
-              <a:rPr lang="ko-KR" altLang="en-US" dirty="0"/>
-              <a:t> 마련을 노려볼 수 있는 금액이기 때문에</a:t>
-            </a:r>
-          </a:p>
-          <a:p>
-            <a:endParaRPr lang="ko-KR" altLang="en-US" dirty="0"/>
-          </a:p>
-          <a:p>
-            <a:r>
-              <a:rPr lang="ko-KR" altLang="en-US" dirty="0"/>
-              <a:t>일단 </a:t>
-            </a:r>
-            <a:r>
-              <a:rPr lang="en-US" altLang="ko-KR" dirty="0"/>
-              <a:t>5</a:t>
-            </a:r>
-            <a:r>
-              <a:rPr lang="ko-KR" altLang="en-US" dirty="0"/>
-              <a:t>억을 목표로 미국 주식 투자를 시작해보자</a:t>
-            </a:r>
-            <a:r>
-              <a:rPr lang="en-US" altLang="ko-KR" dirty="0"/>
-              <a:t>.</a:t>
-            </a:r>
-          </a:p>
-          <a:p>
-            <a:r>
-              <a:rPr lang="ko-KR" altLang="en-US" dirty="0"/>
-              <a:t>이렇게 말씀드리는 겁니다</a:t>
-            </a:r>
-            <a:r>
-              <a:rPr lang="en-US" altLang="ko-KR" dirty="0"/>
-              <a:t>.</a:t>
-            </a:r>
             <a:endParaRPr lang="ko-KR" altLang="en-US" dirty="0"/>
           </a:p>
         </p:txBody>
@@ -5318,7 +5340,7 @@
           <a:p>
             <a:fld id="{AF377DAE-6E9C-4F87-A8EC-C6E75F6BD3E4}" type="slidenum">
               <a:rPr lang="ko-KR" altLang="en-US" smtClean="0"/>
-              <a:t>7</a:t>
+              <a:t>6</a:t>
             </a:fld>
             <a:endParaRPr lang="ko-KR" altLang="en-US"/>
           </a:p>
@@ -5327,7 +5349,7 @@
     </p:spTree>
     <p:extLst>
       <p:ext uri="{BB962C8B-B14F-4D97-AF65-F5344CB8AC3E}">
-        <p14:creationId xmlns:p14="http://schemas.microsoft.com/office/powerpoint/2010/main" val="3868329396"/>
+        <p14:creationId xmlns:p14="http://schemas.microsoft.com/office/powerpoint/2010/main" val="3090598548"/>
       </p:ext>
     </p:extLst>
   </p:cSld>
@@ -5383,28 +5405,143 @@
           <a:p>
             <a:r>
               <a:rPr lang="ko-KR" altLang="en-US" dirty="0"/>
-              <a:t>자 그럼 목표 금액은 새웠는데</a:t>
-            </a:r>
-          </a:p>
-          <a:p>
-            <a:r>
-              <a:rPr lang="ko-KR" altLang="en-US" dirty="0"/>
-              <a:t>이제 어떻게 그 목표 금액에 </a:t>
+              <a:t>매가 </a:t>
+            </a:r>
+            <a:r>
+              <a:rPr lang="en-US" altLang="ko-KR" dirty="0"/>
+              <a:t>12</a:t>
+            </a:r>
+            <a:r>
+              <a:rPr lang="ko-KR" altLang="en-US" dirty="0"/>
+              <a:t>억이면 </a:t>
+            </a:r>
+            <a:r>
+              <a:rPr lang="en-US" altLang="ko-KR" dirty="0"/>
+              <a:t>5</a:t>
+            </a:r>
+            <a:r>
+              <a:rPr lang="ko-KR" altLang="en-US" dirty="0"/>
+              <a:t>억으로 </a:t>
             </a:r>
             <a:r>
               <a:rPr lang="ko-KR" altLang="en-US" dirty="0" err="1"/>
-              <a:t>도달할꺼냐</a:t>
-            </a:r>
+              <a:t>택도</a:t>
+            </a:r>
+            <a:r>
+              <a:rPr lang="ko-KR" altLang="en-US" dirty="0"/>
+              <a:t> 없다는 생각부터 들지만</a:t>
+            </a:r>
+          </a:p>
+          <a:p>
+            <a:r>
+              <a:rPr lang="ko-KR" altLang="en-US" dirty="0"/>
+              <a:t>사실 부동산은 레버리지 자산이죠</a:t>
+            </a:r>
+            <a:r>
+              <a:rPr lang="en-US" altLang="ko-KR" dirty="0"/>
+              <a:t>.</a:t>
+            </a:r>
+          </a:p>
+          <a:p>
+            <a:endParaRPr lang="en-US" altLang="ko-KR" dirty="0"/>
+          </a:p>
+          <a:p>
+            <a:r>
+              <a:rPr lang="ko-KR" altLang="en-US" dirty="0"/>
+              <a:t>만약 실거주를 목표로 한다면 직장생활을 계속한다는 가정하에</a:t>
+            </a:r>
+          </a:p>
+          <a:p>
+            <a:r>
+              <a:rPr lang="en-US" altLang="ko-KR" dirty="0"/>
+              <a:t>6~7</a:t>
+            </a:r>
+            <a:r>
+              <a:rPr lang="ko-KR" altLang="en-US" dirty="0"/>
+              <a:t>억 정도 대출을 받을 수 있을 거예요</a:t>
+            </a:r>
+            <a:r>
+              <a:rPr lang="en-US" altLang="ko-KR" dirty="0"/>
+              <a:t>.</a:t>
+            </a:r>
+          </a:p>
+          <a:p>
+            <a:r>
+              <a:rPr lang="ko-KR" altLang="en-US" dirty="0"/>
+              <a:t>그러면 투자금이 </a:t>
+            </a:r>
+            <a:r>
+              <a:rPr lang="en-US" altLang="ko-KR" dirty="0"/>
+              <a:t>5</a:t>
+            </a:r>
+            <a:r>
+              <a:rPr lang="ko-KR" altLang="en-US" dirty="0"/>
+              <a:t>억 정도 들고</a:t>
+            </a:r>
+          </a:p>
+          <a:p>
             <a:endParaRPr lang="ko-KR" altLang="en-US" dirty="0"/>
           </a:p>
           <a:p>
             <a:r>
-              <a:rPr lang="ko-KR" altLang="en-US" dirty="0"/>
-              <a:t>그게 필요하죠</a:t>
-            </a:r>
-            <a:r>
-              <a:rPr lang="en-US" altLang="ko-KR" dirty="0"/>
-              <a:t>?</a:t>
+              <a:rPr lang="ko-KR" altLang="en-US" dirty="0" err="1"/>
+              <a:t>갭투자</a:t>
+            </a:r>
+            <a:r>
+              <a:rPr lang="ko-KR" altLang="en-US" dirty="0"/>
+              <a:t> 역시</a:t>
+            </a:r>
+          </a:p>
+          <a:p>
+            <a:r>
+              <a:rPr lang="ko-KR" altLang="en-US" dirty="0"/>
+              <a:t>투자금 </a:t>
+            </a:r>
+            <a:r>
+              <a:rPr lang="en-US" altLang="ko-KR" dirty="0"/>
+              <a:t>5</a:t>
+            </a:r>
+            <a:r>
+              <a:rPr lang="ko-KR" altLang="en-US" dirty="0"/>
+              <a:t>억이면 </a:t>
+            </a:r>
+            <a:r>
+              <a:rPr lang="en-US" altLang="ko-KR" dirty="0"/>
+              <a:t>12</a:t>
+            </a:r>
+            <a:r>
+              <a:rPr lang="ko-KR" altLang="en-US" dirty="0"/>
+              <a:t>매가인 서울 </a:t>
+            </a:r>
+            <a:r>
+              <a:rPr lang="en-US" altLang="ko-KR" dirty="0"/>
+              <a:t>25</a:t>
+            </a:r>
+            <a:r>
+              <a:rPr lang="ko-KR" altLang="en-US" dirty="0"/>
+              <a:t>평 아파트를 매수할 수 있죠</a:t>
+            </a:r>
+            <a:r>
+              <a:rPr lang="en-US" altLang="ko-KR" dirty="0"/>
+              <a:t>.</a:t>
+            </a:r>
+          </a:p>
+          <a:p>
+            <a:r>
+              <a:rPr lang="en-US" altLang="ko-KR" dirty="0"/>
+              <a:t>6~7</a:t>
+            </a:r>
+            <a:r>
+              <a:rPr lang="ko-KR" altLang="en-US" dirty="0"/>
+              <a:t>억 전세로 </a:t>
+            </a:r>
+            <a:r>
+              <a:rPr lang="ko-KR" altLang="en-US" dirty="0" err="1"/>
+              <a:t>주면요</a:t>
+            </a:r>
+            <a:r>
+              <a:rPr lang="en-US" altLang="ko-KR" dirty="0"/>
+              <a:t>.</a:t>
             </a:r>
           </a:p>
           <a:p>
@@ -5413,7 +5550,78 @@
           <a:p>
             <a:r>
               <a:rPr lang="ko-KR" altLang="en-US" dirty="0"/>
-              <a:t>그래서 제가 투자 전략 수립에 활용하는 방식을 공유해보려고 합니다</a:t>
+              <a:t>그러니까 제가 </a:t>
+            </a:r>
+            <a:r>
+              <a:rPr lang="en-US" altLang="ko-KR" dirty="0"/>
+              <a:t>5</a:t>
+            </a:r>
+            <a:r>
+              <a:rPr lang="ko-KR" altLang="en-US" dirty="0"/>
+              <a:t>억이라는 돈을 목표로 제시한 이유는</a:t>
+            </a:r>
+          </a:p>
+          <a:p>
+            <a:r>
+              <a:rPr lang="en-US" altLang="ko-KR" dirty="0"/>
+              <a:t>5</a:t>
+            </a:r>
+            <a:r>
+              <a:rPr lang="ko-KR" altLang="en-US" dirty="0"/>
+              <a:t>억이면 월 배당 </a:t>
+            </a:r>
+            <a:r>
+              <a:rPr lang="en-US" altLang="ko-KR" dirty="0"/>
+              <a:t>200</a:t>
+            </a:r>
+            <a:r>
+              <a:rPr lang="ko-KR" altLang="en-US" dirty="0"/>
+              <a:t>을 안정적으로 만들거나</a:t>
+            </a:r>
+            <a:r>
+              <a:rPr lang="en-US" altLang="ko-KR" dirty="0"/>
+              <a:t>,</a:t>
+            </a:r>
+          </a:p>
+          <a:p>
+            <a:r>
+              <a:rPr lang="ko-KR" altLang="en-US" dirty="0"/>
+              <a:t>서울 </a:t>
+            </a:r>
+            <a:r>
+              <a:rPr lang="ko-KR" altLang="en-US" dirty="0" err="1"/>
+              <a:t>내집</a:t>
+            </a:r>
+            <a:r>
+              <a:rPr lang="ko-KR" altLang="en-US" dirty="0"/>
+              <a:t> 마련을 노려볼 수 있는 금액이기 때문에</a:t>
+            </a:r>
+          </a:p>
+          <a:p>
+            <a:endParaRPr lang="ko-KR" altLang="en-US" dirty="0"/>
+          </a:p>
+          <a:p>
+            <a:r>
+              <a:rPr lang="ko-KR" altLang="en-US" dirty="0"/>
+              <a:t>일단 </a:t>
+            </a:r>
+            <a:r>
+              <a:rPr lang="en-US" altLang="ko-KR" dirty="0"/>
+              <a:t>5</a:t>
+            </a:r>
+            <a:r>
+              <a:rPr lang="ko-KR" altLang="en-US" dirty="0"/>
+              <a:t>억을 목표로 미국 주식 투자를 시작해보자</a:t>
+            </a:r>
+            <a:r>
+              <a:rPr lang="en-US" altLang="ko-KR" dirty="0"/>
+              <a:t>.</a:t>
+            </a:r>
+          </a:p>
+          <a:p>
+            <a:r>
+              <a:rPr lang="ko-KR" altLang="en-US" dirty="0"/>
+              <a:t>이렇게 말씀드리는 겁니다</a:t>
             </a:r>
             <a:r>
               <a:rPr lang="en-US" altLang="ko-KR" dirty="0"/>
@@ -5440,7 +5648,7 @@
           <a:p>
             <a:fld id="{AF377DAE-6E9C-4F87-A8EC-C6E75F6BD3E4}" type="slidenum">
               <a:rPr lang="ko-KR" altLang="en-US" smtClean="0"/>
-              <a:t>8</a:t>
+              <a:t>7</a:t>
             </a:fld>
             <a:endParaRPr lang="ko-KR" altLang="en-US"/>
           </a:p>
@@ -5449,7 +5657,7 @@
     </p:spTree>
     <p:extLst>
       <p:ext uri="{BB962C8B-B14F-4D97-AF65-F5344CB8AC3E}">
-        <p14:creationId xmlns:p14="http://schemas.microsoft.com/office/powerpoint/2010/main" val="267696656"/>
+        <p14:creationId xmlns:p14="http://schemas.microsoft.com/office/powerpoint/2010/main" val="3868329396"/>
       </p:ext>
     </p:extLst>
   </p:cSld>
@@ -5504,44 +5712,29 @@
           <a:lstStyle/>
           <a:p>
             <a:r>
-              <a:rPr lang="en-US" altLang="ko-KR" dirty="0"/>
-              <a:t>K</a:t>
-            </a:r>
-            <a:r>
-              <a:rPr lang="ko-KR" altLang="en-US" dirty="0"/>
-              <a:t>는 </a:t>
-            </a:r>
-            <a:r>
-              <a:rPr lang="en-US" altLang="ko-KR" dirty="0"/>
-              <a:t>S </a:t>
-            </a:r>
-            <a:r>
-              <a:rPr lang="ko-KR" altLang="en-US" dirty="0"/>
-              <a:t>어쩌고 저쩌고 수식이 나오죠</a:t>
-            </a:r>
-            <a:r>
-              <a:rPr lang="en-US" altLang="ko-KR" dirty="0"/>
-              <a:t>.</a:t>
-            </a:r>
-          </a:p>
-          <a:p>
-            <a:r>
-              <a:rPr lang="ko-KR" altLang="en-US" dirty="0"/>
-              <a:t>수식이 나온다고 절대 겁내실 필요는 없습니다</a:t>
-            </a:r>
-            <a:r>
-              <a:rPr lang="en-US" altLang="ko-KR" dirty="0"/>
-              <a:t>.</a:t>
-            </a:r>
-          </a:p>
-          <a:p>
-            <a:r>
-              <a:rPr lang="ko-KR" altLang="en-US" dirty="0"/>
-              <a:t>이 수식을 풀 필요는 전혀 없고요</a:t>
-            </a:r>
-            <a:r>
-              <a:rPr lang="en-US" altLang="ko-KR" dirty="0"/>
-              <a:t>.</a:t>
+              <a:rPr lang="ko-KR" altLang="en-US" dirty="0"/>
+              <a:t>자 그럼 목표 금액은 새웠는데</a:t>
+            </a:r>
+          </a:p>
+          <a:p>
+            <a:r>
+              <a:rPr lang="ko-KR" altLang="en-US" dirty="0"/>
+              <a:t>이제 어떻게 그 목표 금액에 </a:t>
+            </a:r>
+            <a:r>
+              <a:rPr lang="ko-KR" altLang="en-US" dirty="0" err="1"/>
+              <a:t>도달할꺼냐</a:t>
+            </a:r>
+            <a:endParaRPr lang="ko-KR" altLang="en-US" dirty="0"/>
+          </a:p>
+          <a:p>
+            <a:r>
+              <a:rPr lang="ko-KR" altLang="en-US" dirty="0"/>
+              <a:t>그게 필요하죠</a:t>
+            </a:r>
+            <a:r>
+              <a:rPr lang="en-US" altLang="ko-KR" dirty="0"/>
+              <a:t>?</a:t>
             </a:r>
           </a:p>
           <a:p>
@@ -5550,58 +5743,7 @@
           <a:p>
             <a:r>
               <a:rPr lang="ko-KR" altLang="en-US" dirty="0"/>
-              <a:t>그냥 저희는 여기 </a:t>
-            </a:r>
-            <a:r>
-              <a:rPr lang="ko-KR" altLang="en-US" dirty="0" err="1"/>
-              <a:t>아래있는</a:t>
-            </a:r>
-            <a:r>
-              <a:rPr lang="ko-KR" altLang="en-US" dirty="0"/>
-              <a:t> 개념들만 </a:t>
-            </a:r>
-            <a:r>
-              <a:rPr lang="ko-KR" altLang="en-US" dirty="0" err="1"/>
-              <a:t>알면돼요</a:t>
-            </a:r>
-            <a:r>
-              <a:rPr lang="en-US" altLang="ko-KR" dirty="0"/>
-              <a:t>.</a:t>
-            </a:r>
-          </a:p>
-          <a:p>
-            <a:endParaRPr lang="en-US" altLang="ko-KR" dirty="0"/>
-          </a:p>
-          <a:p>
-            <a:r>
-              <a:rPr lang="ko-KR" altLang="en-US" dirty="0"/>
-              <a:t>목표 자산은 초기자산과 현금흐름 그리고 투자기간</a:t>
-            </a:r>
-            <a:r>
-              <a:rPr lang="en-US" altLang="ko-KR" dirty="0"/>
-              <a:t>, </a:t>
-            </a:r>
-            <a:r>
-              <a:rPr lang="ko-KR" altLang="en-US" dirty="0"/>
-              <a:t>기대수익률로 구성되어 있다</a:t>
-            </a:r>
-            <a:r>
-              <a:rPr lang="en-US" altLang="ko-KR" dirty="0"/>
-              <a:t>.</a:t>
-            </a:r>
-          </a:p>
-          <a:p>
-            <a:r>
-              <a:rPr lang="ko-KR" altLang="en-US" dirty="0"/>
-              <a:t>이것만 아시면 </a:t>
-            </a:r>
-            <a:r>
-              <a:rPr lang="ko-KR" altLang="en-US" dirty="0" err="1"/>
-              <a:t>여러분만의</a:t>
-            </a:r>
-            <a:r>
-              <a:rPr lang="ko-KR" altLang="en-US" dirty="0"/>
-              <a:t> 전략을 새워볼 수 있습니다</a:t>
+              <a:t>그래서 제가 투자 전략 수립에 활용하는 방식을 공유해보려고 합니다</a:t>
             </a:r>
             <a:r>
               <a:rPr lang="en-US" altLang="ko-KR" dirty="0"/>
@@ -5628,7 +5770,7 @@
           <a:p>
             <a:fld id="{AF377DAE-6E9C-4F87-A8EC-C6E75F6BD3E4}" type="slidenum">
               <a:rPr lang="ko-KR" altLang="en-US" smtClean="0"/>
-              <a:t>9</a:t>
+              <a:t>8</a:t>
             </a:fld>
             <a:endParaRPr lang="ko-KR" altLang="en-US"/>
           </a:p>
@@ -5637,7 +5779,7 @@
     </p:spTree>
     <p:extLst>
       <p:ext uri="{BB962C8B-B14F-4D97-AF65-F5344CB8AC3E}">
-        <p14:creationId xmlns:p14="http://schemas.microsoft.com/office/powerpoint/2010/main" val="1288249962"/>
+        <p14:creationId xmlns:p14="http://schemas.microsoft.com/office/powerpoint/2010/main" val="267696656"/>
       </p:ext>
     </p:extLst>
   </p:cSld>
@@ -5692,16 +5834,20 @@
           <a:lstStyle/>
           <a:p>
             <a:r>
-              <a:rPr lang="ko-KR" altLang="en-US" dirty="0"/>
-              <a:t>목표자산 일단 </a:t>
-            </a:r>
-            <a:r>
-              <a:rPr lang="en-US" altLang="ko-KR" dirty="0"/>
-              <a:t>5</a:t>
-            </a:r>
-            <a:r>
-              <a:rPr lang="ko-KR" altLang="en-US" dirty="0"/>
-              <a:t>억이죠</a:t>
+              <a:rPr lang="en-US" altLang="ko-KR" dirty="0"/>
+              <a:t>K</a:t>
+            </a:r>
+            <a:r>
+              <a:rPr lang="ko-KR" altLang="en-US" dirty="0"/>
+              <a:t>는 </a:t>
+            </a:r>
+            <a:r>
+              <a:rPr lang="en-US" altLang="ko-KR" dirty="0"/>
+              <a:t>S </a:t>
+            </a:r>
+            <a:r>
+              <a:rPr lang="ko-KR" altLang="en-US" dirty="0"/>
+              <a:t>어쩌고 저쩌고 수식이 나오죠</a:t>
             </a:r>
             <a:r>
               <a:rPr lang="en-US" altLang="ko-KR" dirty="0"/>
@@ -5711,7 +5857,55 @@
           <a:p>
             <a:r>
               <a:rPr lang="ko-KR" altLang="en-US" dirty="0"/>
-              <a:t>초기 자산은 기존에 모아둔 돈이거나</a:t>
+              <a:t>수식이 나온다고 절대 겁내실 필요는 없습니다</a:t>
+            </a:r>
+            <a:r>
+              <a:rPr lang="en-US" altLang="ko-KR" dirty="0"/>
+              <a:t>.</a:t>
+            </a:r>
+          </a:p>
+          <a:p>
+            <a:r>
+              <a:rPr lang="ko-KR" altLang="en-US" dirty="0"/>
+              <a:t>이 수식을 풀 필요는 전혀 없고요</a:t>
+            </a:r>
+            <a:r>
+              <a:rPr lang="en-US" altLang="ko-KR" dirty="0"/>
+              <a:t>.</a:t>
+            </a:r>
+          </a:p>
+          <a:p>
+            <a:endParaRPr lang="en-US" altLang="ko-KR" dirty="0"/>
+          </a:p>
+          <a:p>
+            <a:r>
+              <a:rPr lang="ko-KR" altLang="en-US" dirty="0"/>
+              <a:t>그냥 저희는 여기 </a:t>
+            </a:r>
+            <a:r>
+              <a:rPr lang="ko-KR" altLang="en-US" dirty="0" err="1"/>
+              <a:t>아래있는</a:t>
+            </a:r>
+            <a:r>
+              <a:rPr lang="ko-KR" altLang="en-US" dirty="0"/>
+              <a:t> 개념들만 </a:t>
+            </a:r>
+            <a:r>
+              <a:rPr lang="ko-KR" altLang="en-US" dirty="0" err="1"/>
+              <a:t>알면돼요</a:t>
+            </a:r>
+            <a:r>
+              <a:rPr lang="en-US" altLang="ko-KR" dirty="0"/>
+              <a:t>.</a:t>
+            </a:r>
+          </a:p>
+          <a:p>
+            <a:endParaRPr lang="en-US" altLang="ko-KR" dirty="0"/>
+          </a:p>
+          <a:p>
+            <a:r>
+              <a:rPr lang="ko-KR" altLang="en-US" dirty="0"/>
+              <a:t>목표 자산은 초기자산과 현금흐름 그리고 투자기간</a:t>
             </a:r>
             <a:r>
               <a:rPr lang="en-US" altLang="ko-KR" dirty="0"/>
@@ -5719,15 +5913,7 @@
             </a:r>
             <a:r>
               <a:rPr lang="ko-KR" altLang="en-US" dirty="0"/>
-              <a:t>증여</a:t>
-            </a:r>
-            <a:r>
-              <a:rPr lang="en-US" altLang="ko-KR" dirty="0"/>
-              <a:t>, </a:t>
-            </a:r>
-            <a:r>
-              <a:rPr lang="ko-KR" altLang="en-US" dirty="0"/>
-              <a:t>상속받은 돈 같은 거라고 생각하시면 됩니다</a:t>
+              <a:t>기대수익률로 구성되어 있다</a:t>
             </a:r>
             <a:r>
               <a:rPr lang="en-US" altLang="ko-KR" dirty="0"/>
@@ -5736,127 +5922,22 @@
           </a:p>
           <a:p>
             <a:r>
+              <a:rPr lang="ko-KR" altLang="en-US" dirty="0"/>
+              <a:t>이것만 아시면 </a:t>
+            </a:r>
+            <a:r>
               <a:rPr lang="ko-KR" altLang="en-US" dirty="0" err="1"/>
-              <a:t>시드머니죠</a:t>
+              <a:t>여러분만의</a:t>
+            </a:r>
+            <a:r>
+              <a:rPr lang="ko-KR" altLang="en-US" dirty="0"/>
+              <a:t> 전략을 새워볼 수 있습니다</a:t>
             </a:r>
             <a:r>
               <a:rPr lang="en-US" altLang="ko-KR" dirty="0"/>
               <a:t>.</a:t>
             </a:r>
-          </a:p>
-          <a:p>
-            <a:r>
-              <a:rPr lang="ko-KR" altLang="en-US" dirty="0"/>
-              <a:t>현금흐름은 월급이나 사업 소득 </a:t>
-            </a:r>
-            <a:r>
-              <a:rPr lang="ko-KR" altLang="en-US" dirty="0" err="1"/>
-              <a:t>같은건데</a:t>
-            </a:r>
-            <a:r>
-              <a:rPr lang="ko-KR" altLang="en-US" dirty="0"/>
-              <a:t> 여기에 생활비를 </a:t>
-            </a:r>
-            <a:r>
-              <a:rPr lang="ko-KR" altLang="en-US" dirty="0" err="1"/>
-              <a:t>뺏</a:t>
-            </a:r>
-            <a:r>
-              <a:rPr lang="ko-KR" altLang="en-US" dirty="0"/>
-              <a:t> 투자가능 금액 이라고 생각하시면 됩니다</a:t>
-            </a:r>
-            <a:r>
-              <a:rPr lang="en-US" altLang="ko-KR" dirty="0"/>
-              <a:t>.</a:t>
-            </a:r>
-          </a:p>
-          <a:p>
-            <a:r>
-              <a:rPr lang="ko-KR" altLang="en-US" dirty="0"/>
-              <a:t>매월 투자할 수 있는 금액이죠</a:t>
-            </a:r>
-            <a:r>
-              <a:rPr lang="en-US" altLang="ko-KR" dirty="0"/>
-              <a:t>.</a:t>
-            </a:r>
-          </a:p>
-          <a:p>
-            <a:r>
-              <a:rPr lang="ko-KR" altLang="en-US" dirty="0"/>
-              <a:t>투자 기간은 사회 초년생들이 가진 최고의 무기인데요</a:t>
-            </a:r>
-            <a:r>
-              <a:rPr lang="en-US" altLang="ko-KR" dirty="0"/>
-              <a:t>. </a:t>
-            </a:r>
-            <a:r>
-              <a:rPr lang="ko-KR" altLang="en-US" dirty="0"/>
-              <a:t>바로 생애 흑자 기간이죠</a:t>
-            </a:r>
-            <a:r>
-              <a:rPr lang="en-US" altLang="ko-KR" dirty="0"/>
-              <a:t>.</a:t>
-            </a:r>
-          </a:p>
-          <a:p>
-            <a:r>
-              <a:rPr lang="ko-KR" altLang="en-US" dirty="0"/>
-              <a:t>위에 현금흐름을 얼마나 오랫동안 지속할 수 있느냐 하는 겁니다</a:t>
-            </a:r>
-            <a:r>
-              <a:rPr lang="en-US" altLang="ko-KR" dirty="0"/>
-              <a:t>.</a:t>
-            </a:r>
-          </a:p>
-          <a:p>
-            <a:r>
-              <a:rPr lang="ko-KR" altLang="en-US" dirty="0"/>
-              <a:t>그럼 기대수익률은 뭐냐</a:t>
-            </a:r>
-            <a:r>
-              <a:rPr lang="en-US" altLang="ko-KR" dirty="0"/>
-              <a:t>? </a:t>
-            </a:r>
-            <a:r>
-              <a:rPr lang="ko-KR" altLang="en-US" dirty="0"/>
-              <a:t>이게 전략과 직결된 부분인데 앞에 </a:t>
-            </a:r>
-            <a:r>
-              <a:rPr lang="en-US" altLang="ko-KR" dirty="0"/>
-              <a:t>SCT</a:t>
-            </a:r>
-            <a:r>
-              <a:rPr lang="ko-KR" altLang="en-US" dirty="0"/>
-              <a:t>를 알면</a:t>
-            </a:r>
-          </a:p>
-          <a:p>
-            <a:r>
-              <a:rPr lang="en-US" altLang="ko-KR" dirty="0"/>
-              <a:t>R</a:t>
-            </a:r>
-            <a:r>
-              <a:rPr lang="ko-KR" altLang="en-US" dirty="0"/>
-              <a:t>을 구할 수 있습니다</a:t>
-            </a:r>
-            <a:r>
-              <a:rPr lang="en-US" altLang="ko-KR" dirty="0"/>
-              <a:t>.</a:t>
-            </a:r>
-          </a:p>
-          <a:p>
-            <a:r>
-              <a:rPr lang="en-US" altLang="ko-KR" dirty="0"/>
-              <a:t>R</a:t>
-            </a:r>
-            <a:r>
-              <a:rPr lang="ko-KR" altLang="en-US" dirty="0"/>
-              <a:t>은 이야기가 좀 기니까 조금 있다가 알아보도록 하고요</a:t>
-            </a:r>
-            <a:r>
-              <a:rPr lang="en-US" altLang="ko-KR" dirty="0"/>
-              <a:t>.</a:t>
-            </a:r>
+            <a:endParaRPr lang="ko-KR" altLang="en-US" dirty="0"/>
           </a:p>
         </p:txBody>
       </p:sp>
@@ -5877,7 +5958,7 @@
           <a:p>
             <a:fld id="{AF377DAE-6E9C-4F87-A8EC-C6E75F6BD3E4}" type="slidenum">
               <a:rPr lang="ko-KR" altLang="en-US" smtClean="0"/>
-              <a:t>10</a:t>
+              <a:t>9</a:t>
             </a:fld>
             <a:endParaRPr lang="ko-KR" altLang="en-US"/>
           </a:p>
@@ -5886,7 +5967,7 @@
     </p:spTree>
     <p:extLst>
       <p:ext uri="{BB962C8B-B14F-4D97-AF65-F5344CB8AC3E}">
-        <p14:creationId xmlns:p14="http://schemas.microsoft.com/office/powerpoint/2010/main" val="3056759680"/>
+        <p14:creationId xmlns:p14="http://schemas.microsoft.com/office/powerpoint/2010/main" val="1288249962"/>
       </p:ext>
     </p:extLst>
   </p:cSld>
@@ -6224,7 +6305,7 @@
           <a:p>
             <a:fld id="{EC246471-4917-4B9D-B667-BA417AE38048}" type="datetimeFigureOut">
               <a:rPr lang="ko-KR" altLang="en-US" smtClean="0"/>
-              <a:t>2025-02-20</a:t>
+              <a:t>2025-02-22</a:t>
             </a:fld>
             <a:endParaRPr lang="ko-KR" altLang="en-US"/>
           </a:p>
@@ -6462,7 +6543,7 @@
           <a:p>
             <a:fld id="{EC246471-4917-4B9D-B667-BA417AE38048}" type="datetimeFigureOut">
               <a:rPr lang="ko-KR" altLang="en-US" smtClean="0"/>
-              <a:t>2025-02-20</a:t>
+              <a:t>2025-02-22</a:t>
             </a:fld>
             <a:endParaRPr lang="ko-KR" altLang="en-US"/>
           </a:p>
@@ -6954,7 +7035,7 @@
           <a:p>
             <a:fld id="{EC246471-4917-4B9D-B667-BA417AE38048}" type="datetimeFigureOut">
               <a:rPr lang="ko-KR" altLang="en-US" smtClean="0"/>
-              <a:t>2025-02-20</a:t>
+              <a:t>2025-02-22</a:t>
             </a:fld>
             <a:endParaRPr lang="ko-KR" altLang="en-US"/>
           </a:p>
@@ -7275,7 +7356,7 @@
           <a:p>
             <a:fld id="{EC246471-4917-4B9D-B667-BA417AE38048}" type="datetimeFigureOut">
               <a:rPr lang="ko-KR" altLang="en-US" smtClean="0"/>
-              <a:t>2025-02-20</a:t>
+              <a:t>2025-02-22</a:t>
             </a:fld>
             <a:endParaRPr lang="ko-KR" altLang="en-US"/>
           </a:p>
@@ -7578,7 +7659,7 @@
           <a:p>
             <a:fld id="{EC246471-4917-4B9D-B667-BA417AE38048}" type="datetimeFigureOut">
               <a:rPr lang="ko-KR" altLang="en-US" smtClean="0"/>
-              <a:t>2025-02-20</a:t>
+              <a:t>2025-02-22</a:t>
             </a:fld>
             <a:endParaRPr lang="ko-KR" altLang="en-US"/>
           </a:p>
@@ -8029,7 +8110,7 @@
           <a:p>
             <a:fld id="{EC246471-4917-4B9D-B667-BA417AE38048}" type="datetimeFigureOut">
               <a:rPr lang="ko-KR" altLang="en-US" smtClean="0"/>
-              <a:t>2025-02-20</a:t>
+              <a:t>2025-02-22</a:t>
             </a:fld>
             <a:endParaRPr lang="ko-KR" altLang="en-US"/>
           </a:p>
@@ -8373,7 +8454,7 @@
           <a:p>
             <a:fld id="{EC246471-4917-4B9D-B667-BA417AE38048}" type="datetimeFigureOut">
               <a:rPr lang="ko-KR" altLang="en-US" smtClean="0"/>
-              <a:t>2025-02-20</a:t>
+              <a:t>2025-02-22</a:t>
             </a:fld>
             <a:endParaRPr lang="ko-KR" altLang="en-US"/>
           </a:p>
@@ -8694,7 +8775,7 @@
           <a:p>
             <a:fld id="{EC246471-4917-4B9D-B667-BA417AE38048}" type="datetimeFigureOut">
               <a:rPr lang="ko-KR" altLang="en-US" smtClean="0"/>
-              <a:t>2025-02-20</a:t>
+              <a:t>2025-02-22</a:t>
             </a:fld>
             <a:endParaRPr lang="ko-KR" altLang="en-US"/>
           </a:p>
@@ -14774,7 +14855,7 @@
           <p:nvPr/>
         </p:nvPicPr>
         <p:blipFill>
-          <a:blip r:embed="rId2"/>
+          <a:blip r:embed="rId3"/>
           <a:stretch>
             <a:fillRect/>
           </a:stretch>
@@ -14811,7 +14892,7 @@
           <p:nvPr/>
         </p:nvPicPr>
         <p:blipFill>
-          <a:blip r:embed="rId3"/>
+          <a:blip r:embed="rId4"/>
           <a:stretch>
             <a:fillRect/>
           </a:stretch>
@@ -14848,7 +14929,7 @@
           <p:nvPr/>
         </p:nvPicPr>
         <p:blipFill>
-          <a:blip r:embed="rId4"/>
+          <a:blip r:embed="rId5"/>
           <a:stretch>
             <a:fillRect/>
           </a:stretch>
